--- a/Final Presentation.pptx
+++ b/Final Presentation.pptx
@@ -5,24 +5,27 @@
     <p:sldMasterId id="2147483648" r:id="rId1"/>
   </p:sldMasterIdLst>
   <p:notesMasterIdLst>
-    <p:notesMasterId r:id="rId17"/>
+    <p:notesMasterId r:id="rId20"/>
   </p:notesMasterIdLst>
   <p:sldIdLst>
     <p:sldId id="270" r:id="rId2"/>
     <p:sldId id="269" r:id="rId3"/>
     <p:sldId id="282" r:id="rId4"/>
-    <p:sldId id="271" r:id="rId5"/>
-    <p:sldId id="272" r:id="rId6"/>
-    <p:sldId id="273" r:id="rId7"/>
-    <p:sldId id="274" r:id="rId8"/>
-    <p:sldId id="275" r:id="rId9"/>
-    <p:sldId id="276" r:id="rId10"/>
-    <p:sldId id="277" r:id="rId11"/>
-    <p:sldId id="278" r:id="rId12"/>
-    <p:sldId id="279" r:id="rId13"/>
-    <p:sldId id="280" r:id="rId14"/>
-    <p:sldId id="281" r:id="rId15"/>
-    <p:sldId id="266" r:id="rId16"/>
+    <p:sldId id="260" r:id="rId5"/>
+    <p:sldId id="271" r:id="rId6"/>
+    <p:sldId id="272" r:id="rId7"/>
+    <p:sldId id="273" r:id="rId8"/>
+    <p:sldId id="274" r:id="rId9"/>
+    <p:sldId id="275" r:id="rId10"/>
+    <p:sldId id="276" r:id="rId11"/>
+    <p:sldId id="277" r:id="rId12"/>
+    <p:sldId id="278" r:id="rId13"/>
+    <p:sldId id="279" r:id="rId14"/>
+    <p:sldId id="280" r:id="rId15"/>
+    <p:sldId id="281" r:id="rId16"/>
+    <p:sldId id="283" r:id="rId17"/>
+    <p:sldId id="284" r:id="rId18"/>
+    <p:sldId id="266" r:id="rId19"/>
   </p:sldIdLst>
   <p:sldSz cx="12192000" cy="6858000"/>
   <p:notesSz cx="6858000" cy="9144000"/>
@@ -3060,6 +3063,100 @@
         </a:p>
       </dgm:t>
     </dgm:pt>
+    <dgm:pt modelId="{220D61D8-3C73-44CD-B014-78C92D048880}">
+      <dgm:prSet phldrT="[Text]"/>
+      <dgm:spPr>
+        <a:solidFill>
+          <a:schemeClr val="accent5">
+            <a:lumMod val="75000"/>
+          </a:schemeClr>
+        </a:solidFill>
+      </dgm:spPr>
+      <dgm:t>
+        <a:bodyPr/>
+        <a:lstStyle/>
+        <a:p>
+          <a:r>
+            <a:rPr lang="en-US" dirty="0">
+              <a:latin typeface="Georgia" panose="02040502050405020303" pitchFamily="18" charset="0"/>
+            </a:rPr>
+            <a:t>CREATE A FLASK APP</a:t>
+          </a:r>
+          <a:endParaRPr lang="en-IN" dirty="0">
+            <a:latin typeface="Georgia" panose="02040502050405020303" pitchFamily="18" charset="0"/>
+          </a:endParaRPr>
+        </a:p>
+      </dgm:t>
+    </dgm:pt>
+    <dgm:pt modelId="{02A5B113-9A70-468F-B219-BA413CCF3ACA}" type="parTrans" cxnId="{E06B7A6B-80B3-49E0-A9F1-0EEAD5EC4324}">
+      <dgm:prSet/>
+      <dgm:spPr/>
+      <dgm:t>
+        <a:bodyPr/>
+        <a:lstStyle/>
+        <a:p>
+          <a:endParaRPr lang="en-IN"/>
+        </a:p>
+      </dgm:t>
+    </dgm:pt>
+    <dgm:pt modelId="{6D52F708-F747-46B3-BAEC-3003DEBE4004}" type="sibTrans" cxnId="{E06B7A6B-80B3-49E0-A9F1-0EEAD5EC4324}">
+      <dgm:prSet/>
+      <dgm:spPr/>
+      <dgm:t>
+        <a:bodyPr/>
+        <a:lstStyle/>
+        <a:p>
+          <a:endParaRPr lang="en-IN"/>
+        </a:p>
+      </dgm:t>
+    </dgm:pt>
+    <dgm:pt modelId="{38A5A542-344A-426C-94C3-0BA3D1A42133}">
+      <dgm:prSet phldrT="[Text]"/>
+      <dgm:spPr>
+        <a:solidFill>
+          <a:schemeClr val="accent5">
+            <a:lumMod val="75000"/>
+          </a:schemeClr>
+        </a:solidFill>
+      </dgm:spPr>
+      <dgm:t>
+        <a:bodyPr/>
+        <a:lstStyle/>
+        <a:p>
+          <a:r>
+            <a:rPr lang="en-US" dirty="0">
+              <a:latin typeface="Georgia" panose="02040502050405020303" pitchFamily="18" charset="0"/>
+            </a:rPr>
+            <a:t>DEPLOY APP </a:t>
+          </a:r>
+          <a:endParaRPr lang="en-IN" dirty="0">
+            <a:latin typeface="Georgia" panose="02040502050405020303" pitchFamily="18" charset="0"/>
+          </a:endParaRPr>
+        </a:p>
+      </dgm:t>
+    </dgm:pt>
+    <dgm:pt modelId="{C0885758-A743-416F-9502-8B9CC288F2B1}" type="parTrans" cxnId="{C88CB218-12E4-449D-9964-CFCBA38FF0EB}">
+      <dgm:prSet/>
+      <dgm:spPr/>
+      <dgm:t>
+        <a:bodyPr/>
+        <a:lstStyle/>
+        <a:p>
+          <a:endParaRPr lang="en-IN"/>
+        </a:p>
+      </dgm:t>
+    </dgm:pt>
+    <dgm:pt modelId="{D4A7DD20-B707-410A-B4E3-2C27BC644B2F}" type="sibTrans" cxnId="{C88CB218-12E4-449D-9964-CFCBA38FF0EB}">
+      <dgm:prSet/>
+      <dgm:spPr/>
+      <dgm:t>
+        <a:bodyPr/>
+        <a:lstStyle/>
+        <a:p>
+          <a:endParaRPr lang="en-IN"/>
+        </a:p>
+      </dgm:t>
+    </dgm:pt>
     <dgm:pt modelId="{478D56BC-A4CD-4F4F-B03F-BB6486FAC293}" type="pres">
       <dgm:prSet presAssocID="{4BD2BB47-FBE9-4FE0-B92B-6142CB18A95F}" presName="linear" presStyleCnt="0">
         <dgm:presLayoutVars>
@@ -3075,11 +3172,11 @@
       <dgm:spPr/>
     </dgm:pt>
     <dgm:pt modelId="{BC62F412-3970-4950-ACFB-D7C5CAEA5FB2}" type="pres">
-      <dgm:prSet presAssocID="{34BFA5D2-7D38-41D5-B9A8-86A1C0BCB57C}" presName="parentLeftMargin" presStyleLbl="node1" presStyleIdx="0" presStyleCnt="7"/>
+      <dgm:prSet presAssocID="{34BFA5D2-7D38-41D5-B9A8-86A1C0BCB57C}" presName="parentLeftMargin" presStyleLbl="node1" presStyleIdx="0" presStyleCnt="9"/>
       <dgm:spPr/>
     </dgm:pt>
     <dgm:pt modelId="{F0236831-8015-46F4-A4B6-018826D771D6}" type="pres">
-      <dgm:prSet presAssocID="{34BFA5D2-7D38-41D5-B9A8-86A1C0BCB57C}" presName="parentText" presStyleLbl="node1" presStyleIdx="0" presStyleCnt="7">
+      <dgm:prSet presAssocID="{34BFA5D2-7D38-41D5-B9A8-86A1C0BCB57C}" presName="parentText" presStyleLbl="node1" presStyleIdx="0" presStyleCnt="9">
         <dgm:presLayoutVars>
           <dgm:chMax val="0"/>
           <dgm:bulletEnabled val="1"/>
@@ -3092,7 +3189,7 @@
       <dgm:spPr/>
     </dgm:pt>
     <dgm:pt modelId="{1377DFAD-AA98-4396-A836-8764F28BF691}" type="pres">
-      <dgm:prSet presAssocID="{34BFA5D2-7D38-41D5-B9A8-86A1C0BCB57C}" presName="childText" presStyleLbl="conFgAcc1" presStyleIdx="0" presStyleCnt="7">
+      <dgm:prSet presAssocID="{34BFA5D2-7D38-41D5-B9A8-86A1C0BCB57C}" presName="childText" presStyleLbl="conFgAcc1" presStyleIdx="0" presStyleCnt="9">
         <dgm:presLayoutVars>
           <dgm:bulletEnabled val="1"/>
         </dgm:presLayoutVars>
@@ -3108,11 +3205,11 @@
       <dgm:spPr/>
     </dgm:pt>
     <dgm:pt modelId="{8AECA080-5B4A-48A7-B984-F1A605731417}" type="pres">
-      <dgm:prSet presAssocID="{6FBB375E-54BA-48CE-9C88-A78E53554DC6}" presName="parentLeftMargin" presStyleLbl="node1" presStyleIdx="0" presStyleCnt="7"/>
+      <dgm:prSet presAssocID="{6FBB375E-54BA-48CE-9C88-A78E53554DC6}" presName="parentLeftMargin" presStyleLbl="node1" presStyleIdx="0" presStyleCnt="9"/>
       <dgm:spPr/>
     </dgm:pt>
     <dgm:pt modelId="{2C776EDD-4856-445A-AB1C-BE3DECDAF956}" type="pres">
-      <dgm:prSet presAssocID="{6FBB375E-54BA-48CE-9C88-A78E53554DC6}" presName="parentText" presStyleLbl="node1" presStyleIdx="1" presStyleCnt="7">
+      <dgm:prSet presAssocID="{6FBB375E-54BA-48CE-9C88-A78E53554DC6}" presName="parentText" presStyleLbl="node1" presStyleIdx="1" presStyleCnt="9">
         <dgm:presLayoutVars>
           <dgm:chMax val="0"/>
           <dgm:bulletEnabled val="1"/>
@@ -3125,7 +3222,7 @@
       <dgm:spPr/>
     </dgm:pt>
     <dgm:pt modelId="{E2AF3B14-AB2E-4FCD-870F-604FF931A88E}" type="pres">
-      <dgm:prSet presAssocID="{6FBB375E-54BA-48CE-9C88-A78E53554DC6}" presName="childText" presStyleLbl="conFgAcc1" presStyleIdx="1" presStyleCnt="7">
+      <dgm:prSet presAssocID="{6FBB375E-54BA-48CE-9C88-A78E53554DC6}" presName="childText" presStyleLbl="conFgAcc1" presStyleIdx="1" presStyleCnt="9">
         <dgm:presLayoutVars>
           <dgm:bulletEnabled val="1"/>
         </dgm:presLayoutVars>
@@ -3141,11 +3238,11 @@
       <dgm:spPr/>
     </dgm:pt>
     <dgm:pt modelId="{2D4361A8-F786-4051-8BE2-7242EFF5EC63}" type="pres">
-      <dgm:prSet presAssocID="{50B5E4BE-B963-4FAD-BAE8-E7AFD38C8D63}" presName="parentLeftMargin" presStyleLbl="node1" presStyleIdx="1" presStyleCnt="7"/>
+      <dgm:prSet presAssocID="{50B5E4BE-B963-4FAD-BAE8-E7AFD38C8D63}" presName="parentLeftMargin" presStyleLbl="node1" presStyleIdx="1" presStyleCnt="9"/>
       <dgm:spPr/>
     </dgm:pt>
     <dgm:pt modelId="{A3877DDA-AB09-4651-9022-51AB3BC0ADE2}" type="pres">
-      <dgm:prSet presAssocID="{50B5E4BE-B963-4FAD-BAE8-E7AFD38C8D63}" presName="parentText" presStyleLbl="node1" presStyleIdx="2" presStyleCnt="7">
+      <dgm:prSet presAssocID="{50B5E4BE-B963-4FAD-BAE8-E7AFD38C8D63}" presName="parentText" presStyleLbl="node1" presStyleIdx="2" presStyleCnt="9">
         <dgm:presLayoutVars>
           <dgm:chMax val="0"/>
           <dgm:bulletEnabled val="1"/>
@@ -3158,7 +3255,7 @@
       <dgm:spPr/>
     </dgm:pt>
     <dgm:pt modelId="{F5504474-4AC0-44D2-99BB-924C95685AD1}" type="pres">
-      <dgm:prSet presAssocID="{50B5E4BE-B963-4FAD-BAE8-E7AFD38C8D63}" presName="childText" presStyleLbl="conFgAcc1" presStyleIdx="2" presStyleCnt="7">
+      <dgm:prSet presAssocID="{50B5E4BE-B963-4FAD-BAE8-E7AFD38C8D63}" presName="childText" presStyleLbl="conFgAcc1" presStyleIdx="2" presStyleCnt="9">
         <dgm:presLayoutVars>
           <dgm:bulletEnabled val="1"/>
         </dgm:presLayoutVars>
@@ -3174,11 +3271,11 @@
       <dgm:spPr/>
     </dgm:pt>
     <dgm:pt modelId="{A1B4E338-4942-4C14-AF6E-1F830041CC0E}" type="pres">
-      <dgm:prSet presAssocID="{965C52ED-4ABB-4332-AB19-07B7F9B9428C}" presName="parentLeftMargin" presStyleLbl="node1" presStyleIdx="2" presStyleCnt="7"/>
+      <dgm:prSet presAssocID="{965C52ED-4ABB-4332-AB19-07B7F9B9428C}" presName="parentLeftMargin" presStyleLbl="node1" presStyleIdx="2" presStyleCnt="9"/>
       <dgm:spPr/>
     </dgm:pt>
     <dgm:pt modelId="{538D1F78-3024-4BE5-9E37-7A15D15D32F1}" type="pres">
-      <dgm:prSet presAssocID="{965C52ED-4ABB-4332-AB19-07B7F9B9428C}" presName="parentText" presStyleLbl="node1" presStyleIdx="3" presStyleCnt="7">
+      <dgm:prSet presAssocID="{965C52ED-4ABB-4332-AB19-07B7F9B9428C}" presName="parentText" presStyleLbl="node1" presStyleIdx="3" presStyleCnt="9">
         <dgm:presLayoutVars>
           <dgm:chMax val="0"/>
           <dgm:bulletEnabled val="1"/>
@@ -3191,7 +3288,7 @@
       <dgm:spPr/>
     </dgm:pt>
     <dgm:pt modelId="{14778E84-6AAB-4009-A954-748CF7CDFD99}" type="pres">
-      <dgm:prSet presAssocID="{965C52ED-4ABB-4332-AB19-07B7F9B9428C}" presName="childText" presStyleLbl="conFgAcc1" presStyleIdx="3" presStyleCnt="7">
+      <dgm:prSet presAssocID="{965C52ED-4ABB-4332-AB19-07B7F9B9428C}" presName="childText" presStyleLbl="conFgAcc1" presStyleIdx="3" presStyleCnt="9">
         <dgm:presLayoutVars>
           <dgm:bulletEnabled val="1"/>
         </dgm:presLayoutVars>
@@ -3207,11 +3304,11 @@
       <dgm:spPr/>
     </dgm:pt>
     <dgm:pt modelId="{312AEBE0-A68A-499E-8176-F350ED957295}" type="pres">
-      <dgm:prSet presAssocID="{D2FBC61C-8F21-4B81-A1DB-0ACBD8A3065B}" presName="parentLeftMargin" presStyleLbl="node1" presStyleIdx="3" presStyleCnt="7"/>
+      <dgm:prSet presAssocID="{D2FBC61C-8F21-4B81-A1DB-0ACBD8A3065B}" presName="parentLeftMargin" presStyleLbl="node1" presStyleIdx="3" presStyleCnt="9"/>
       <dgm:spPr/>
     </dgm:pt>
     <dgm:pt modelId="{7D26686F-245C-445E-8849-01BB5F1A697A}" type="pres">
-      <dgm:prSet presAssocID="{D2FBC61C-8F21-4B81-A1DB-0ACBD8A3065B}" presName="parentText" presStyleLbl="node1" presStyleIdx="4" presStyleCnt="7">
+      <dgm:prSet presAssocID="{D2FBC61C-8F21-4B81-A1DB-0ACBD8A3065B}" presName="parentText" presStyleLbl="node1" presStyleIdx="4" presStyleCnt="9">
         <dgm:presLayoutVars>
           <dgm:chMax val="0"/>
           <dgm:bulletEnabled val="1"/>
@@ -3224,7 +3321,7 @@
       <dgm:spPr/>
     </dgm:pt>
     <dgm:pt modelId="{B6E36A70-93AE-4AE1-993A-0EE834CFD56D}" type="pres">
-      <dgm:prSet presAssocID="{D2FBC61C-8F21-4B81-A1DB-0ACBD8A3065B}" presName="childText" presStyleLbl="conFgAcc1" presStyleIdx="4" presStyleCnt="7">
+      <dgm:prSet presAssocID="{D2FBC61C-8F21-4B81-A1DB-0ACBD8A3065B}" presName="childText" presStyleLbl="conFgAcc1" presStyleIdx="4" presStyleCnt="9">
         <dgm:presLayoutVars>
           <dgm:bulletEnabled val="1"/>
         </dgm:presLayoutVars>
@@ -3240,11 +3337,11 @@
       <dgm:spPr/>
     </dgm:pt>
     <dgm:pt modelId="{3FE10399-2E22-48FC-A265-C1E410C5A1CF}" type="pres">
-      <dgm:prSet presAssocID="{66AC608F-65E3-48AC-ACC4-4C43E757FB10}" presName="parentLeftMargin" presStyleLbl="node1" presStyleIdx="4" presStyleCnt="7"/>
+      <dgm:prSet presAssocID="{66AC608F-65E3-48AC-ACC4-4C43E757FB10}" presName="parentLeftMargin" presStyleLbl="node1" presStyleIdx="4" presStyleCnt="9"/>
       <dgm:spPr/>
     </dgm:pt>
     <dgm:pt modelId="{02C032BA-917B-47A7-B40A-7B7874EE8605}" type="pres">
-      <dgm:prSet presAssocID="{66AC608F-65E3-48AC-ACC4-4C43E757FB10}" presName="parentText" presStyleLbl="node1" presStyleIdx="5" presStyleCnt="7">
+      <dgm:prSet presAssocID="{66AC608F-65E3-48AC-ACC4-4C43E757FB10}" presName="parentText" presStyleLbl="node1" presStyleIdx="5" presStyleCnt="9">
         <dgm:presLayoutVars>
           <dgm:chMax val="0"/>
           <dgm:bulletEnabled val="1"/>
@@ -3257,7 +3354,7 @@
       <dgm:spPr/>
     </dgm:pt>
     <dgm:pt modelId="{97AB8912-1249-4C1F-ACE8-FB6C7F5131FC}" type="pres">
-      <dgm:prSet presAssocID="{66AC608F-65E3-48AC-ACC4-4C43E757FB10}" presName="childText" presStyleLbl="conFgAcc1" presStyleIdx="5" presStyleCnt="7">
+      <dgm:prSet presAssocID="{66AC608F-65E3-48AC-ACC4-4C43E757FB10}" presName="childText" presStyleLbl="conFgAcc1" presStyleIdx="5" presStyleCnt="9">
         <dgm:presLayoutVars>
           <dgm:bulletEnabled val="1"/>
         </dgm:presLayoutVars>
@@ -3273,11 +3370,11 @@
       <dgm:spPr/>
     </dgm:pt>
     <dgm:pt modelId="{A46345E6-77AD-4F8F-9F60-341B0D31A883}" type="pres">
-      <dgm:prSet presAssocID="{82B17BCE-7905-4851-83A4-228D0564B2C0}" presName="parentLeftMargin" presStyleLbl="node1" presStyleIdx="5" presStyleCnt="7"/>
+      <dgm:prSet presAssocID="{82B17BCE-7905-4851-83A4-228D0564B2C0}" presName="parentLeftMargin" presStyleLbl="node1" presStyleIdx="5" presStyleCnt="9"/>
       <dgm:spPr/>
     </dgm:pt>
     <dgm:pt modelId="{CAB9D405-51C9-45B4-AA2A-2A019EA32103}" type="pres">
-      <dgm:prSet presAssocID="{82B17BCE-7905-4851-83A4-228D0564B2C0}" presName="parentText" presStyleLbl="node1" presStyleIdx="6" presStyleCnt="7">
+      <dgm:prSet presAssocID="{82B17BCE-7905-4851-83A4-228D0564B2C0}" presName="parentText" presStyleLbl="node1" presStyleIdx="6" presStyleCnt="9">
         <dgm:presLayoutVars>
           <dgm:chMax val="0"/>
           <dgm:bulletEnabled val="1"/>
@@ -3290,7 +3387,73 @@
       <dgm:spPr/>
     </dgm:pt>
     <dgm:pt modelId="{44CDF2E7-0DE8-42E0-A299-A4DE576509DE}" type="pres">
-      <dgm:prSet presAssocID="{82B17BCE-7905-4851-83A4-228D0564B2C0}" presName="childText" presStyleLbl="conFgAcc1" presStyleIdx="6" presStyleCnt="7">
+      <dgm:prSet presAssocID="{82B17BCE-7905-4851-83A4-228D0564B2C0}" presName="childText" presStyleLbl="conFgAcc1" presStyleIdx="6" presStyleCnt="9">
+        <dgm:presLayoutVars>
+          <dgm:bulletEnabled val="1"/>
+        </dgm:presLayoutVars>
+      </dgm:prSet>
+      <dgm:spPr/>
+    </dgm:pt>
+    <dgm:pt modelId="{3B8C25F8-A344-41BC-A65C-66D98D806FC7}" type="pres">
+      <dgm:prSet presAssocID="{ED39A8B2-3D94-424C-8DBA-BE231A0A6BB3}" presName="spaceBetweenRectangles" presStyleCnt="0"/>
+      <dgm:spPr/>
+    </dgm:pt>
+    <dgm:pt modelId="{F006E4E5-6EA6-4068-9173-16490CC136E4}" type="pres">
+      <dgm:prSet presAssocID="{220D61D8-3C73-44CD-B014-78C92D048880}" presName="parentLin" presStyleCnt="0"/>
+      <dgm:spPr/>
+    </dgm:pt>
+    <dgm:pt modelId="{E7C61D7F-2DC1-441D-B5D6-15A7DCC484E0}" type="pres">
+      <dgm:prSet presAssocID="{220D61D8-3C73-44CD-B014-78C92D048880}" presName="parentLeftMargin" presStyleLbl="node1" presStyleIdx="6" presStyleCnt="9"/>
+      <dgm:spPr/>
+    </dgm:pt>
+    <dgm:pt modelId="{20F06A13-08D7-4D69-8570-EF111095C502}" type="pres">
+      <dgm:prSet presAssocID="{220D61D8-3C73-44CD-B014-78C92D048880}" presName="parentText" presStyleLbl="node1" presStyleIdx="7" presStyleCnt="9">
+        <dgm:presLayoutVars>
+          <dgm:chMax val="0"/>
+          <dgm:bulletEnabled val="1"/>
+        </dgm:presLayoutVars>
+      </dgm:prSet>
+      <dgm:spPr/>
+    </dgm:pt>
+    <dgm:pt modelId="{76A50342-117D-4538-B5F6-270F21A06901}" type="pres">
+      <dgm:prSet presAssocID="{220D61D8-3C73-44CD-B014-78C92D048880}" presName="negativeSpace" presStyleCnt="0"/>
+      <dgm:spPr/>
+    </dgm:pt>
+    <dgm:pt modelId="{C92E1F63-1962-4588-B33D-233DB2B25681}" type="pres">
+      <dgm:prSet presAssocID="{220D61D8-3C73-44CD-B014-78C92D048880}" presName="childText" presStyleLbl="conFgAcc1" presStyleIdx="7" presStyleCnt="9">
+        <dgm:presLayoutVars>
+          <dgm:bulletEnabled val="1"/>
+        </dgm:presLayoutVars>
+      </dgm:prSet>
+      <dgm:spPr/>
+    </dgm:pt>
+    <dgm:pt modelId="{F859CB7B-9280-40D6-AC50-72146A92ABAE}" type="pres">
+      <dgm:prSet presAssocID="{6D52F708-F747-46B3-BAEC-3003DEBE4004}" presName="spaceBetweenRectangles" presStyleCnt="0"/>
+      <dgm:spPr/>
+    </dgm:pt>
+    <dgm:pt modelId="{EC794588-A458-4EC0-B0CC-70D9DB72C4D4}" type="pres">
+      <dgm:prSet presAssocID="{38A5A542-344A-426C-94C3-0BA3D1A42133}" presName="parentLin" presStyleCnt="0"/>
+      <dgm:spPr/>
+    </dgm:pt>
+    <dgm:pt modelId="{3BA3759E-E181-4ACC-8F0B-AA572C374528}" type="pres">
+      <dgm:prSet presAssocID="{38A5A542-344A-426C-94C3-0BA3D1A42133}" presName="parentLeftMargin" presStyleLbl="node1" presStyleIdx="7" presStyleCnt="9"/>
+      <dgm:spPr/>
+    </dgm:pt>
+    <dgm:pt modelId="{1547D3EE-E909-42CB-8CD2-194744D4F1EA}" type="pres">
+      <dgm:prSet presAssocID="{38A5A542-344A-426C-94C3-0BA3D1A42133}" presName="parentText" presStyleLbl="node1" presStyleIdx="8" presStyleCnt="9">
+        <dgm:presLayoutVars>
+          <dgm:chMax val="0"/>
+          <dgm:bulletEnabled val="1"/>
+        </dgm:presLayoutVars>
+      </dgm:prSet>
+      <dgm:spPr/>
+    </dgm:pt>
+    <dgm:pt modelId="{E36C45F3-E92C-4F0A-8C40-C1922C0489D9}" type="pres">
+      <dgm:prSet presAssocID="{38A5A542-344A-426C-94C3-0BA3D1A42133}" presName="negativeSpace" presStyleCnt="0"/>
+      <dgm:spPr/>
+    </dgm:pt>
+    <dgm:pt modelId="{CB47FAA5-0FF4-4E85-8B01-3DCDF72632F2}" type="pres">
+      <dgm:prSet presAssocID="{38A5A542-344A-426C-94C3-0BA3D1A42133}" presName="childText" presStyleLbl="conFgAcc1" presStyleIdx="8" presStyleCnt="9">
         <dgm:presLayoutVars>
           <dgm:bulletEnabled val="1"/>
         </dgm:presLayoutVars>
@@ -3299,10 +3462,12 @@
     </dgm:pt>
   </dgm:ptLst>
   <dgm:cxnLst>
+    <dgm:cxn modelId="{B8834D04-DEDF-4F27-8B70-5293D4763DA2}" type="presOf" srcId="{220D61D8-3C73-44CD-B014-78C92D048880}" destId="{E7C61D7F-2DC1-441D-B5D6-15A7DCC484E0}" srcOrd="0" destOrd="0" presId="urn:microsoft.com/office/officeart/2005/8/layout/list1"/>
     <dgm:cxn modelId="{90B20D08-E22D-4209-9DDD-CA62968BC430}" srcId="{4BD2BB47-FBE9-4FE0-B92B-6142CB18A95F}" destId="{66AC608F-65E3-48AC-ACC4-4C43E757FB10}" srcOrd="5" destOrd="0" parTransId="{7F6DBB06-2143-43B4-A03A-8BEDC4E351AF}" sibTransId="{213AC9A9-2A93-466A-AC4D-585DA3BEF714}"/>
     <dgm:cxn modelId="{246EBF13-9DFC-40FD-A36E-7B4EE62AD1B3}" type="presOf" srcId="{50B5E4BE-B963-4FAD-BAE8-E7AFD38C8D63}" destId="{2D4361A8-F786-4051-8BE2-7242EFF5EC63}" srcOrd="0" destOrd="0" presId="urn:microsoft.com/office/officeart/2005/8/layout/list1"/>
     <dgm:cxn modelId="{2E2C9B15-B668-43F7-8EC6-FA9122A57060}" type="presOf" srcId="{6FBB375E-54BA-48CE-9C88-A78E53554DC6}" destId="{8AECA080-5B4A-48A7-B984-F1A605731417}" srcOrd="0" destOrd="0" presId="urn:microsoft.com/office/officeart/2005/8/layout/list1"/>
     <dgm:cxn modelId="{C53A7D16-C856-4278-A60C-B6F0C9C87EC0}" type="presOf" srcId="{50B5E4BE-B963-4FAD-BAE8-E7AFD38C8D63}" destId="{A3877DDA-AB09-4651-9022-51AB3BC0ADE2}" srcOrd="1" destOrd="0" presId="urn:microsoft.com/office/officeart/2005/8/layout/list1"/>
+    <dgm:cxn modelId="{C88CB218-12E4-449D-9964-CFCBA38FF0EB}" srcId="{4BD2BB47-FBE9-4FE0-B92B-6142CB18A95F}" destId="{38A5A542-344A-426C-94C3-0BA3D1A42133}" srcOrd="8" destOrd="0" parTransId="{C0885758-A743-416F-9502-8B9CC288F2B1}" sibTransId="{D4A7DD20-B707-410A-B4E3-2C27BC644B2F}"/>
     <dgm:cxn modelId="{46B1F51C-4986-4929-BD6E-4BA9186EE074}" type="presOf" srcId="{34BFA5D2-7D38-41D5-B9A8-86A1C0BCB57C}" destId="{F0236831-8015-46F4-A4B6-018826D771D6}" srcOrd="1" destOrd="0" presId="urn:microsoft.com/office/officeart/2005/8/layout/list1"/>
     <dgm:cxn modelId="{39C1B225-354B-4ABF-8BDC-141F82F1A083}" type="presOf" srcId="{66AC608F-65E3-48AC-ACC4-4C43E757FB10}" destId="{02C032BA-917B-47A7-B40A-7B7874EE8605}" srcOrd="1" destOrd="0" presId="urn:microsoft.com/office/officeart/2005/8/layout/list1"/>
     <dgm:cxn modelId="{CFD13431-F549-4AAA-8643-5998D502FC13}" type="presOf" srcId="{82B17BCE-7905-4851-83A4-228D0564B2C0}" destId="{A46345E6-77AD-4F8F-9F60-341B0D31A883}" srcOrd="0" destOrd="0" presId="urn:microsoft.com/office/officeart/2005/8/layout/list1"/>
@@ -3310,16 +3475,20 @@
     <dgm:cxn modelId="{D726295F-A6D7-4B12-8041-4C51F2599C5D}" type="presOf" srcId="{4BD2BB47-FBE9-4FE0-B92B-6142CB18A95F}" destId="{478D56BC-A4CD-4F4F-B03F-BB6486FAC293}" srcOrd="0" destOrd="0" presId="urn:microsoft.com/office/officeart/2005/8/layout/list1"/>
     <dgm:cxn modelId="{8915C742-9A8E-4CE9-A112-AA27D697CC3F}" srcId="{4BD2BB47-FBE9-4FE0-B92B-6142CB18A95F}" destId="{34BFA5D2-7D38-41D5-B9A8-86A1C0BCB57C}" srcOrd="0" destOrd="0" parTransId="{55D2D2CB-764E-49E5-B2A7-0B24B4C8687C}" sibTransId="{0A650BD3-6F92-4FD1-810A-5669AA457CCD}"/>
     <dgm:cxn modelId="{F8DF6E45-6187-4E84-8ACB-792DDBC5B6E7}" type="presOf" srcId="{6FBB375E-54BA-48CE-9C88-A78E53554DC6}" destId="{2C776EDD-4856-445A-AB1C-BE3DECDAF956}" srcOrd="1" destOrd="0" presId="urn:microsoft.com/office/officeart/2005/8/layout/list1"/>
+    <dgm:cxn modelId="{E06B7A6B-80B3-49E0-A9F1-0EEAD5EC4324}" srcId="{4BD2BB47-FBE9-4FE0-B92B-6142CB18A95F}" destId="{220D61D8-3C73-44CD-B014-78C92D048880}" srcOrd="7" destOrd="0" parTransId="{02A5B113-9A70-468F-B219-BA413CCF3ACA}" sibTransId="{6D52F708-F747-46B3-BAEC-3003DEBE4004}"/>
     <dgm:cxn modelId="{2863C980-1137-4860-80B2-4F0EFD4879F9}" type="presOf" srcId="{82B17BCE-7905-4851-83A4-228D0564B2C0}" destId="{CAB9D405-51C9-45B4-AA2A-2A019EA32103}" srcOrd="1" destOrd="0" presId="urn:microsoft.com/office/officeart/2005/8/layout/list1"/>
+    <dgm:cxn modelId="{C683B982-00EE-4668-9F98-572CA8009352}" type="presOf" srcId="{38A5A542-344A-426C-94C3-0BA3D1A42133}" destId="{3BA3759E-E181-4ACC-8F0B-AA572C374528}" srcOrd="0" destOrd="0" presId="urn:microsoft.com/office/officeart/2005/8/layout/list1"/>
     <dgm:cxn modelId="{1CB3ED87-7696-464C-9E3A-839896C3A19C}" type="presOf" srcId="{D2FBC61C-8F21-4B81-A1DB-0ACBD8A3065B}" destId="{7D26686F-245C-445E-8849-01BB5F1A697A}" srcOrd="1" destOrd="0" presId="urn:microsoft.com/office/officeart/2005/8/layout/list1"/>
     <dgm:cxn modelId="{7F1F8B89-5261-4A73-BE00-696BF8D96EDB}" type="presOf" srcId="{34BFA5D2-7D38-41D5-B9A8-86A1C0BCB57C}" destId="{BC62F412-3970-4950-ACFB-D7C5CAEA5FB2}" srcOrd="0" destOrd="0" presId="urn:microsoft.com/office/officeart/2005/8/layout/list1"/>
     <dgm:cxn modelId="{4EB8FAA1-785E-48B9-940C-F76EAF422070}" srcId="{4BD2BB47-FBE9-4FE0-B92B-6142CB18A95F}" destId="{965C52ED-4ABB-4332-AB19-07B7F9B9428C}" srcOrd="3" destOrd="0" parTransId="{AA634C98-A93C-40C2-A66F-121D51D78B08}" sibTransId="{B9597AA4-0F77-4FB2-8F28-DB34DBC22C07}"/>
     <dgm:cxn modelId="{E94C65C9-BD94-4CEC-A7CF-A37F4F64D27A}" srcId="{4BD2BB47-FBE9-4FE0-B92B-6142CB18A95F}" destId="{6FBB375E-54BA-48CE-9C88-A78E53554DC6}" srcOrd="1" destOrd="0" parTransId="{91BE5CB8-A3D9-473F-AE19-090CBD0ED6C0}" sibTransId="{9B7291FF-4B90-4D23-8339-2D29046E9054}"/>
+    <dgm:cxn modelId="{74E29ACB-C2D7-44E6-AFAE-5240B6488DE1}" type="presOf" srcId="{220D61D8-3C73-44CD-B014-78C92D048880}" destId="{20F06A13-08D7-4D69-8570-EF111095C502}" srcOrd="1" destOrd="0" presId="urn:microsoft.com/office/officeart/2005/8/layout/list1"/>
     <dgm:cxn modelId="{F2434FCF-80A8-4B6D-9B1E-E1518E1EC633}" type="presOf" srcId="{965C52ED-4ABB-4332-AB19-07B7F9B9428C}" destId="{A1B4E338-4942-4C14-AF6E-1F830041CC0E}" srcOrd="0" destOrd="0" presId="urn:microsoft.com/office/officeart/2005/8/layout/list1"/>
     <dgm:cxn modelId="{1EBBA6D4-95A9-4085-9E53-FA4C06592115}" type="presOf" srcId="{66AC608F-65E3-48AC-ACC4-4C43E757FB10}" destId="{3FE10399-2E22-48FC-A265-C1E410C5A1CF}" srcOrd="0" destOrd="0" presId="urn:microsoft.com/office/officeart/2005/8/layout/list1"/>
     <dgm:cxn modelId="{177748E3-E50D-4F05-83EC-C9872B66B1BB}" srcId="{4BD2BB47-FBE9-4FE0-B92B-6142CB18A95F}" destId="{82B17BCE-7905-4851-83A4-228D0564B2C0}" srcOrd="6" destOrd="0" parTransId="{009BA771-C0CE-45E2-94DF-871485D7DFE9}" sibTransId="{ED39A8B2-3D94-424C-8DBA-BE231A0A6BB3}"/>
     <dgm:cxn modelId="{71A6C8E8-89E3-444B-8629-604845063A20}" type="presOf" srcId="{D2FBC61C-8F21-4B81-A1DB-0ACBD8A3065B}" destId="{312AEBE0-A68A-499E-8176-F350ED957295}" srcOrd="0" destOrd="0" presId="urn:microsoft.com/office/officeart/2005/8/layout/list1"/>
     <dgm:cxn modelId="{BA297AED-10D3-4A97-861E-F6A9AD1F1143}" srcId="{4BD2BB47-FBE9-4FE0-B92B-6142CB18A95F}" destId="{50B5E4BE-B963-4FAD-BAE8-E7AFD38C8D63}" srcOrd="2" destOrd="0" parTransId="{541E8ED6-BF5E-4FE6-B675-D111CA06669A}" sibTransId="{A0D1DEFB-F40E-47FC-AB07-0956AED1F375}"/>
+    <dgm:cxn modelId="{698718F3-B186-4EB3-A70C-53CBAA7F98D0}" type="presOf" srcId="{38A5A542-344A-426C-94C3-0BA3D1A42133}" destId="{1547D3EE-E909-42CB-8CD2-194744D4F1EA}" srcOrd="1" destOrd="0" presId="urn:microsoft.com/office/officeart/2005/8/layout/list1"/>
     <dgm:cxn modelId="{4B0576FB-DF4C-455A-B1AE-172C6229AF32}" type="presOf" srcId="{965C52ED-4ABB-4332-AB19-07B7F9B9428C}" destId="{538D1F78-3024-4BE5-9E37-7A15D15D32F1}" srcOrd="1" destOrd="0" presId="urn:microsoft.com/office/officeart/2005/8/layout/list1"/>
     <dgm:cxn modelId="{59B0FF13-A3E3-4778-8240-BEE896466381}" type="presParOf" srcId="{478D56BC-A4CD-4F4F-B03F-BB6486FAC293}" destId="{BDBC472E-D94F-42C8-AF53-EC848475B843}" srcOrd="0" destOrd="0" presId="urn:microsoft.com/office/officeart/2005/8/layout/list1"/>
     <dgm:cxn modelId="{B077073E-2CB3-4620-9084-F4A70AC2F845}" type="presParOf" srcId="{BDBC472E-D94F-42C8-AF53-EC848475B843}" destId="{BC62F412-3970-4950-ACFB-D7C5CAEA5FB2}" srcOrd="0" destOrd="0" presId="urn:microsoft.com/office/officeart/2005/8/layout/list1"/>
@@ -3362,6 +3531,18 @@
     <dgm:cxn modelId="{FD16C60D-08BF-4D89-BC29-335423A78129}" type="presParOf" srcId="{71E5C7A7-0701-48BD-A639-56D64E3BE78C}" destId="{CAB9D405-51C9-45B4-AA2A-2A019EA32103}" srcOrd="1" destOrd="0" presId="urn:microsoft.com/office/officeart/2005/8/layout/list1"/>
     <dgm:cxn modelId="{31E660D8-AB3C-4055-9B8B-8631EB3D3F2C}" type="presParOf" srcId="{478D56BC-A4CD-4F4F-B03F-BB6486FAC293}" destId="{798BB5DC-968D-43E9-967E-425ABE9C6336}" srcOrd="25" destOrd="0" presId="urn:microsoft.com/office/officeart/2005/8/layout/list1"/>
     <dgm:cxn modelId="{1FD56742-F9CC-4D09-B67F-3D8B3A6138AA}" type="presParOf" srcId="{478D56BC-A4CD-4F4F-B03F-BB6486FAC293}" destId="{44CDF2E7-0DE8-42E0-A299-A4DE576509DE}" srcOrd="26" destOrd="0" presId="urn:microsoft.com/office/officeart/2005/8/layout/list1"/>
+    <dgm:cxn modelId="{9E5C156C-7E6A-4CC3-80B1-A3F39B80278E}" type="presParOf" srcId="{478D56BC-A4CD-4F4F-B03F-BB6486FAC293}" destId="{3B8C25F8-A344-41BC-A65C-66D98D806FC7}" srcOrd="27" destOrd="0" presId="urn:microsoft.com/office/officeart/2005/8/layout/list1"/>
+    <dgm:cxn modelId="{E94399C1-BD04-4E9B-BF31-645927511571}" type="presParOf" srcId="{478D56BC-A4CD-4F4F-B03F-BB6486FAC293}" destId="{F006E4E5-6EA6-4068-9173-16490CC136E4}" srcOrd="28" destOrd="0" presId="urn:microsoft.com/office/officeart/2005/8/layout/list1"/>
+    <dgm:cxn modelId="{770EC15C-16BF-452C-B7EA-57FB172C70CD}" type="presParOf" srcId="{F006E4E5-6EA6-4068-9173-16490CC136E4}" destId="{E7C61D7F-2DC1-441D-B5D6-15A7DCC484E0}" srcOrd="0" destOrd="0" presId="urn:microsoft.com/office/officeart/2005/8/layout/list1"/>
+    <dgm:cxn modelId="{B523D5BD-4034-491B-A0CF-E334703BC620}" type="presParOf" srcId="{F006E4E5-6EA6-4068-9173-16490CC136E4}" destId="{20F06A13-08D7-4D69-8570-EF111095C502}" srcOrd="1" destOrd="0" presId="urn:microsoft.com/office/officeart/2005/8/layout/list1"/>
+    <dgm:cxn modelId="{249B30B0-D067-43E5-B412-F0064DD6FF23}" type="presParOf" srcId="{478D56BC-A4CD-4F4F-B03F-BB6486FAC293}" destId="{76A50342-117D-4538-B5F6-270F21A06901}" srcOrd="29" destOrd="0" presId="urn:microsoft.com/office/officeart/2005/8/layout/list1"/>
+    <dgm:cxn modelId="{2C4DC599-5DFC-40DF-9F54-70FE4C96692B}" type="presParOf" srcId="{478D56BC-A4CD-4F4F-B03F-BB6486FAC293}" destId="{C92E1F63-1962-4588-B33D-233DB2B25681}" srcOrd="30" destOrd="0" presId="urn:microsoft.com/office/officeart/2005/8/layout/list1"/>
+    <dgm:cxn modelId="{886536AE-D899-4706-8D42-F5B8EFE05ECB}" type="presParOf" srcId="{478D56BC-A4CD-4F4F-B03F-BB6486FAC293}" destId="{F859CB7B-9280-40D6-AC50-72146A92ABAE}" srcOrd="31" destOrd="0" presId="urn:microsoft.com/office/officeart/2005/8/layout/list1"/>
+    <dgm:cxn modelId="{CC0B9B78-0870-4042-A059-55D357619D66}" type="presParOf" srcId="{478D56BC-A4CD-4F4F-B03F-BB6486FAC293}" destId="{EC794588-A458-4EC0-B0CC-70D9DB72C4D4}" srcOrd="32" destOrd="0" presId="urn:microsoft.com/office/officeart/2005/8/layout/list1"/>
+    <dgm:cxn modelId="{FD0EF97C-BB7B-4172-9EFB-EB4C4A879F88}" type="presParOf" srcId="{EC794588-A458-4EC0-B0CC-70D9DB72C4D4}" destId="{3BA3759E-E181-4ACC-8F0B-AA572C374528}" srcOrd="0" destOrd="0" presId="urn:microsoft.com/office/officeart/2005/8/layout/list1"/>
+    <dgm:cxn modelId="{F7F880B9-A2FE-4784-9E32-0FC10B07D3CE}" type="presParOf" srcId="{EC794588-A458-4EC0-B0CC-70D9DB72C4D4}" destId="{1547D3EE-E909-42CB-8CD2-194744D4F1EA}" srcOrd="1" destOrd="0" presId="urn:microsoft.com/office/officeart/2005/8/layout/list1"/>
+    <dgm:cxn modelId="{3C1BBA10-84D9-4551-A677-D9A806F30636}" type="presParOf" srcId="{478D56BC-A4CD-4F4F-B03F-BB6486FAC293}" destId="{E36C45F3-E92C-4F0A-8C40-C1922C0489D9}" srcOrd="33" destOrd="0" presId="urn:microsoft.com/office/officeart/2005/8/layout/list1"/>
+    <dgm:cxn modelId="{5FCBF332-144E-4427-B52E-BBC2D5261738}" type="presParOf" srcId="{478D56BC-A4CD-4F4F-B03F-BB6486FAC293}" destId="{CB47FAA5-0FF4-4E85-8B01-3DCDF72632F2}" srcOrd="34" destOrd="0" presId="urn:microsoft.com/office/officeart/2005/8/layout/list1"/>
   </dgm:cxnLst>
   <dgm:bg/>
   <dgm:whole/>
@@ -3388,8 +3569,8 @@
       </dsp:nvSpPr>
       <dsp:spPr>
         <a:xfrm>
-          <a:off x="0" y="307233"/>
-          <a:ext cx="8128000" cy="428400"/>
+          <a:off x="0" y="282753"/>
+          <a:ext cx="8128000" cy="327600"/>
         </a:xfrm>
         <a:prstGeom prst="rect">
           <a:avLst/>
@@ -3437,8 +3618,8 @@
       </dsp:nvSpPr>
       <dsp:spPr>
         <a:xfrm>
-          <a:off x="406400" y="56313"/>
-          <a:ext cx="5689600" cy="501840"/>
+          <a:off x="406400" y="90873"/>
+          <a:ext cx="5689600" cy="383760"/>
         </a:xfrm>
         <a:prstGeom prst="roundRect">
           <a:avLst/>
@@ -3482,7 +3663,7 @@
         </a:bodyPr>
         <a:lstStyle/>
         <a:p>
-          <a:pPr marL="0" lvl="0" indent="0" algn="l" defTabSz="755650">
+          <a:pPr marL="0" lvl="0" indent="0" algn="l" defTabSz="577850">
             <a:lnSpc>
               <a:spcPct val="90000"/>
             </a:lnSpc>
@@ -3495,19 +3676,19 @@
             <a:buNone/>
           </a:pPr>
           <a:r>
-            <a:rPr lang="en-US" sz="1700" kern="1200" dirty="0">
+            <a:rPr lang="en-US" sz="1300" kern="1200" dirty="0">
               <a:latin typeface="Georgia" panose="02040502050405020303" pitchFamily="18" charset="0"/>
             </a:rPr>
             <a:t>PROBLEM STATMENT</a:t>
           </a:r>
-          <a:endParaRPr lang="en-IN" sz="1700" kern="1200" dirty="0">
+          <a:endParaRPr lang="en-IN" sz="1300" kern="1200" dirty="0">
             <a:latin typeface="Georgia" panose="02040502050405020303" pitchFamily="18" charset="0"/>
           </a:endParaRPr>
         </a:p>
       </dsp:txBody>
       <dsp:txXfrm>
-        <a:off x="430898" y="80811"/>
-        <a:ext cx="5640604" cy="452844"/>
+        <a:off x="425134" y="109607"/>
+        <a:ext cx="5652132" cy="346292"/>
       </dsp:txXfrm>
     </dsp:sp>
     <dsp:sp modelId="{E2AF3B14-AB2E-4FCD-870F-604FF931A88E}">
@@ -3517,8 +3698,8 @@
       </dsp:nvSpPr>
       <dsp:spPr>
         <a:xfrm>
-          <a:off x="0" y="1078353"/>
-          <a:ext cx="8128000" cy="428400"/>
+          <a:off x="0" y="872433"/>
+          <a:ext cx="8128000" cy="327600"/>
         </a:xfrm>
         <a:prstGeom prst="rect">
           <a:avLst/>
@@ -3566,8 +3747,8 @@
       </dsp:nvSpPr>
       <dsp:spPr>
         <a:xfrm>
-          <a:off x="406400" y="827433"/>
-          <a:ext cx="5689600" cy="501840"/>
+          <a:off x="406400" y="680553"/>
+          <a:ext cx="5689600" cy="383760"/>
         </a:xfrm>
         <a:prstGeom prst="roundRect">
           <a:avLst/>
@@ -3611,7 +3792,7 @@
         </a:bodyPr>
         <a:lstStyle/>
         <a:p>
-          <a:pPr marL="0" lvl="0" indent="0" algn="l" defTabSz="755650">
+          <a:pPr marL="0" lvl="0" indent="0" algn="l" defTabSz="577850">
             <a:lnSpc>
               <a:spcPct val="90000"/>
             </a:lnSpc>
@@ -3624,19 +3805,19 @@
             <a:buNone/>
           </a:pPr>
           <a:r>
-            <a:rPr lang="en-US" sz="1700" kern="1200" dirty="0">
+            <a:rPr lang="en-US" sz="1300" kern="1200" dirty="0">
               <a:latin typeface="Georgia" panose="02040502050405020303" pitchFamily="18" charset="0"/>
             </a:rPr>
             <a:t>EDA</a:t>
           </a:r>
-          <a:endParaRPr lang="en-IN" sz="1700" kern="1200" dirty="0">
+          <a:endParaRPr lang="en-IN" sz="1300" kern="1200" dirty="0">
             <a:latin typeface="Georgia" panose="02040502050405020303" pitchFamily="18" charset="0"/>
           </a:endParaRPr>
         </a:p>
       </dsp:txBody>
       <dsp:txXfrm>
-        <a:off x="430898" y="851931"/>
-        <a:ext cx="5640604" cy="452844"/>
+        <a:off x="425134" y="699287"/>
+        <a:ext cx="5652132" cy="346292"/>
       </dsp:txXfrm>
     </dsp:sp>
     <dsp:sp modelId="{F5504474-4AC0-44D2-99BB-924C95685AD1}">
@@ -3646,8 +3827,8 @@
       </dsp:nvSpPr>
       <dsp:spPr>
         <a:xfrm>
-          <a:off x="0" y="1849473"/>
-          <a:ext cx="8128000" cy="428400"/>
+          <a:off x="0" y="1462113"/>
+          <a:ext cx="8128000" cy="327600"/>
         </a:xfrm>
         <a:prstGeom prst="rect">
           <a:avLst/>
@@ -3695,8 +3876,8 @@
       </dsp:nvSpPr>
       <dsp:spPr>
         <a:xfrm>
-          <a:off x="406400" y="1598553"/>
-          <a:ext cx="5689600" cy="501840"/>
+          <a:off x="406400" y="1270233"/>
+          <a:ext cx="5689600" cy="383760"/>
         </a:xfrm>
         <a:prstGeom prst="roundRect">
           <a:avLst/>
@@ -3740,7 +3921,7 @@
         </a:bodyPr>
         <a:lstStyle/>
         <a:p>
-          <a:pPr marL="0" lvl="0" indent="0" algn="l" defTabSz="755650">
+          <a:pPr marL="0" lvl="0" indent="0" algn="l" defTabSz="577850">
             <a:lnSpc>
               <a:spcPct val="90000"/>
             </a:lnSpc>
@@ -3753,19 +3934,19 @@
             <a:buNone/>
           </a:pPr>
           <a:r>
-            <a:rPr lang="en-US" sz="1700" kern="1200" dirty="0">
+            <a:rPr lang="en-US" sz="1300" kern="1200" dirty="0">
               <a:latin typeface="Georgia" panose="02040502050405020303" pitchFamily="18" charset="0"/>
             </a:rPr>
             <a:t>MACHINE LEARNING ALGORITHM</a:t>
           </a:r>
-          <a:endParaRPr lang="en-IN" sz="1700" kern="1200" dirty="0">
+          <a:endParaRPr lang="en-IN" sz="1300" kern="1200" dirty="0">
             <a:latin typeface="Georgia" panose="02040502050405020303" pitchFamily="18" charset="0"/>
           </a:endParaRPr>
         </a:p>
       </dsp:txBody>
       <dsp:txXfrm>
-        <a:off x="430898" y="1623051"/>
-        <a:ext cx="5640604" cy="452844"/>
+        <a:off x="425134" y="1288967"/>
+        <a:ext cx="5652132" cy="346292"/>
       </dsp:txXfrm>
     </dsp:sp>
     <dsp:sp modelId="{14778E84-6AAB-4009-A954-748CF7CDFD99}">
@@ -3775,8 +3956,8 @@
       </dsp:nvSpPr>
       <dsp:spPr>
         <a:xfrm>
-          <a:off x="0" y="2620593"/>
-          <a:ext cx="8128000" cy="428400"/>
+          <a:off x="0" y="2051793"/>
+          <a:ext cx="8128000" cy="327600"/>
         </a:xfrm>
         <a:prstGeom prst="rect">
           <a:avLst/>
@@ -3824,8 +4005,8 @@
       </dsp:nvSpPr>
       <dsp:spPr>
         <a:xfrm>
-          <a:off x="406400" y="2369673"/>
-          <a:ext cx="5689600" cy="501840"/>
+          <a:off x="406400" y="1859913"/>
+          <a:ext cx="5689600" cy="383760"/>
         </a:xfrm>
         <a:prstGeom prst="roundRect">
           <a:avLst/>
@@ -3869,7 +4050,7 @@
         </a:bodyPr>
         <a:lstStyle/>
         <a:p>
-          <a:pPr marL="0" lvl="0" indent="0" algn="l" defTabSz="755650">
+          <a:pPr marL="0" lvl="0" indent="0" algn="l" defTabSz="577850">
             <a:lnSpc>
               <a:spcPct val="90000"/>
             </a:lnSpc>
@@ -3882,19 +4063,19 @@
             <a:buNone/>
           </a:pPr>
           <a:r>
-            <a:rPr lang="en-US" sz="1700" kern="1200" dirty="0">
+            <a:rPr lang="en-US" sz="1300" kern="1200" dirty="0">
               <a:latin typeface="Georgia" panose="02040502050405020303" pitchFamily="18" charset="0"/>
             </a:rPr>
             <a:t>TRAINING &amp; TESTING</a:t>
           </a:r>
-          <a:endParaRPr lang="en-IN" sz="1700" kern="1200" dirty="0">
+          <a:endParaRPr lang="en-IN" sz="1300" kern="1200" dirty="0">
             <a:latin typeface="Georgia" panose="02040502050405020303" pitchFamily="18" charset="0"/>
           </a:endParaRPr>
         </a:p>
       </dsp:txBody>
       <dsp:txXfrm>
-        <a:off x="430898" y="2394171"/>
-        <a:ext cx="5640604" cy="452844"/>
+        <a:off x="425134" y="1878647"/>
+        <a:ext cx="5652132" cy="346292"/>
       </dsp:txXfrm>
     </dsp:sp>
     <dsp:sp modelId="{B6E36A70-93AE-4AE1-993A-0EE834CFD56D}">
@@ -3904,8 +4085,8 @@
       </dsp:nvSpPr>
       <dsp:spPr>
         <a:xfrm>
-          <a:off x="0" y="3391713"/>
-          <a:ext cx="8128000" cy="428400"/>
+          <a:off x="0" y="2641473"/>
+          <a:ext cx="8128000" cy="327600"/>
         </a:xfrm>
         <a:prstGeom prst="rect">
           <a:avLst/>
@@ -3953,8 +4134,8 @@
       </dsp:nvSpPr>
       <dsp:spPr>
         <a:xfrm>
-          <a:off x="406400" y="3140793"/>
-          <a:ext cx="5689600" cy="501840"/>
+          <a:off x="406400" y="2449593"/>
+          <a:ext cx="5689600" cy="383760"/>
         </a:xfrm>
         <a:prstGeom prst="roundRect">
           <a:avLst/>
@@ -3998,7 +4179,7 @@
         </a:bodyPr>
         <a:lstStyle/>
         <a:p>
-          <a:pPr marL="0" lvl="0" indent="0" algn="l" defTabSz="755650">
+          <a:pPr marL="0" lvl="0" indent="0" algn="l" defTabSz="577850">
             <a:lnSpc>
               <a:spcPct val="90000"/>
             </a:lnSpc>
@@ -4011,19 +4192,19 @@
             <a:buNone/>
           </a:pPr>
           <a:r>
-            <a:rPr lang="en-US" sz="1700" kern="1200" dirty="0">
+            <a:rPr lang="en-US" sz="1300" kern="1200" dirty="0">
               <a:latin typeface="Georgia" panose="02040502050405020303" pitchFamily="18" charset="0"/>
             </a:rPr>
             <a:t>DATA SET BALANCING</a:t>
           </a:r>
-          <a:endParaRPr lang="en-IN" sz="1700" kern="1200" dirty="0">
+          <a:endParaRPr lang="en-IN" sz="1300" kern="1200" dirty="0">
             <a:latin typeface="Georgia" panose="02040502050405020303" pitchFamily="18" charset="0"/>
           </a:endParaRPr>
         </a:p>
       </dsp:txBody>
       <dsp:txXfrm>
-        <a:off x="430898" y="3165291"/>
-        <a:ext cx="5640604" cy="452844"/>
+        <a:off x="425134" y="2468327"/>
+        <a:ext cx="5652132" cy="346292"/>
       </dsp:txXfrm>
     </dsp:sp>
     <dsp:sp modelId="{97AB8912-1249-4C1F-ACE8-FB6C7F5131FC}">
@@ -4033,8 +4214,8 @@
       </dsp:nvSpPr>
       <dsp:spPr>
         <a:xfrm>
-          <a:off x="0" y="4162833"/>
-          <a:ext cx="8128000" cy="428400"/>
+          <a:off x="0" y="3231153"/>
+          <a:ext cx="8128000" cy="327600"/>
         </a:xfrm>
         <a:prstGeom prst="rect">
           <a:avLst/>
@@ -4082,8 +4263,8 @@
       </dsp:nvSpPr>
       <dsp:spPr>
         <a:xfrm>
-          <a:off x="406400" y="3911913"/>
-          <a:ext cx="5689600" cy="501840"/>
+          <a:off x="406400" y="3039273"/>
+          <a:ext cx="5689600" cy="383760"/>
         </a:xfrm>
         <a:prstGeom prst="roundRect">
           <a:avLst/>
@@ -4127,7 +4308,7 @@
         </a:bodyPr>
         <a:lstStyle/>
         <a:p>
-          <a:pPr marL="0" lvl="0" indent="0" algn="l" defTabSz="755650">
+          <a:pPr marL="0" lvl="0" indent="0" algn="l" defTabSz="577850">
             <a:lnSpc>
               <a:spcPct val="90000"/>
             </a:lnSpc>
@@ -4140,25 +4321,25 @@
             <a:buNone/>
           </a:pPr>
           <a:r>
-            <a:rPr lang="en-IN" sz="1700" kern="1200" dirty="0">
+            <a:rPr lang="en-IN" sz="1300" kern="1200" dirty="0">
               <a:latin typeface="Georgia" panose="02040502050405020303" pitchFamily="18" charset="0"/>
             </a:rPr>
             <a:t>RETRAIN ALL </a:t>
           </a:r>
           <a:r>
-            <a:rPr lang="en-IN" sz="1700" kern="1200">
+            <a:rPr lang="en-IN" sz="1300" kern="1200">
               <a:latin typeface="Georgia" panose="02040502050405020303" pitchFamily="18" charset="0"/>
             </a:rPr>
             <a:t>MODEL TESTING OUR MODEL AGAIN</a:t>
           </a:r>
-          <a:endParaRPr lang="en-IN" sz="1700" kern="1200" dirty="0">
+          <a:endParaRPr lang="en-IN" sz="1300" kern="1200" dirty="0">
             <a:latin typeface="Georgia" panose="02040502050405020303" pitchFamily="18" charset="0"/>
           </a:endParaRPr>
         </a:p>
       </dsp:txBody>
       <dsp:txXfrm>
-        <a:off x="430898" y="3936411"/>
-        <a:ext cx="5640604" cy="452844"/>
+        <a:off x="425134" y="3058007"/>
+        <a:ext cx="5652132" cy="346292"/>
       </dsp:txXfrm>
     </dsp:sp>
     <dsp:sp modelId="{44CDF2E7-0DE8-42E0-A299-A4DE576509DE}">
@@ -4168,8 +4349,8 @@
       </dsp:nvSpPr>
       <dsp:spPr>
         <a:xfrm>
-          <a:off x="0" y="4933953"/>
-          <a:ext cx="8128000" cy="428400"/>
+          <a:off x="0" y="3820833"/>
+          <a:ext cx="8128000" cy="327600"/>
         </a:xfrm>
         <a:prstGeom prst="rect">
           <a:avLst/>
@@ -4217,8 +4398,8 @@
       </dsp:nvSpPr>
       <dsp:spPr>
         <a:xfrm>
-          <a:off x="406400" y="4683033"/>
-          <a:ext cx="5689600" cy="501840"/>
+          <a:off x="406400" y="3628953"/>
+          <a:ext cx="5689600" cy="383760"/>
         </a:xfrm>
         <a:prstGeom prst="roundRect">
           <a:avLst/>
@@ -4262,7 +4443,7 @@
         </a:bodyPr>
         <a:lstStyle/>
         <a:p>
-          <a:pPr marL="0" lvl="0" indent="0" algn="l" defTabSz="755650">
+          <a:pPr marL="0" lvl="0" indent="0" algn="l" defTabSz="577850">
             <a:lnSpc>
               <a:spcPct val="90000"/>
             </a:lnSpc>
@@ -4275,19 +4456,277 @@
             <a:buNone/>
           </a:pPr>
           <a:r>
-            <a:rPr lang="en-US" sz="1700" kern="1200" dirty="0">
+            <a:rPr lang="en-US" sz="1300" kern="1200" dirty="0">
               <a:latin typeface="Georgia" panose="02040502050405020303" pitchFamily="18" charset="0"/>
             </a:rPr>
             <a:t>CREATE ENSEMBLE AND TEST IT</a:t>
           </a:r>
-          <a:endParaRPr lang="en-IN" sz="1700" kern="1200" dirty="0">
+          <a:endParaRPr lang="en-IN" sz="1300" kern="1200" dirty="0">
             <a:latin typeface="Georgia" panose="02040502050405020303" pitchFamily="18" charset="0"/>
           </a:endParaRPr>
         </a:p>
       </dsp:txBody>
       <dsp:txXfrm>
-        <a:off x="430898" y="4707531"/>
-        <a:ext cx="5640604" cy="452844"/>
+        <a:off x="425134" y="3647687"/>
+        <a:ext cx="5652132" cy="346292"/>
+      </dsp:txXfrm>
+    </dsp:sp>
+    <dsp:sp modelId="{C92E1F63-1962-4588-B33D-233DB2B25681}">
+      <dsp:nvSpPr>
+        <dsp:cNvPr id="0" name=""/>
+        <dsp:cNvSpPr/>
+      </dsp:nvSpPr>
+      <dsp:spPr>
+        <a:xfrm>
+          <a:off x="0" y="4410513"/>
+          <a:ext cx="8128000" cy="327600"/>
+        </a:xfrm>
+        <a:prstGeom prst="rect">
+          <a:avLst/>
+        </a:prstGeom>
+        <a:solidFill>
+          <a:schemeClr val="lt1">
+            <a:alpha val="90000"/>
+            <a:hueOff val="0"/>
+            <a:satOff val="0"/>
+            <a:lumOff val="0"/>
+            <a:alphaOff val="0"/>
+          </a:schemeClr>
+        </a:solidFill>
+        <a:ln w="12700" cap="flat" cmpd="sng" algn="ctr">
+          <a:solidFill>
+            <a:schemeClr val="accent1">
+              <a:hueOff val="0"/>
+              <a:satOff val="0"/>
+              <a:lumOff val="0"/>
+              <a:alphaOff val="0"/>
+            </a:schemeClr>
+          </a:solidFill>
+          <a:prstDash val="solid"/>
+          <a:miter lim="800000"/>
+        </a:ln>
+        <a:effectLst/>
+      </dsp:spPr>
+      <dsp:style>
+        <a:lnRef idx="2">
+          <a:scrgbClr r="0" g="0" b="0"/>
+        </a:lnRef>
+        <a:fillRef idx="1">
+          <a:scrgbClr r="0" g="0" b="0"/>
+        </a:fillRef>
+        <a:effectRef idx="0">
+          <a:scrgbClr r="0" g="0" b="0"/>
+        </a:effectRef>
+        <a:fontRef idx="minor"/>
+      </dsp:style>
+    </dsp:sp>
+    <dsp:sp modelId="{20F06A13-08D7-4D69-8570-EF111095C502}">
+      <dsp:nvSpPr>
+        <dsp:cNvPr id="0" name=""/>
+        <dsp:cNvSpPr/>
+      </dsp:nvSpPr>
+      <dsp:spPr>
+        <a:xfrm>
+          <a:off x="406400" y="4218633"/>
+          <a:ext cx="5689600" cy="383760"/>
+        </a:xfrm>
+        <a:prstGeom prst="roundRect">
+          <a:avLst/>
+        </a:prstGeom>
+        <a:solidFill>
+          <a:schemeClr val="accent5">
+            <a:lumMod val="75000"/>
+          </a:schemeClr>
+        </a:solidFill>
+        <a:ln w="12700" cap="flat" cmpd="sng" algn="ctr">
+          <a:solidFill>
+            <a:schemeClr val="lt1">
+              <a:hueOff val="0"/>
+              <a:satOff val="0"/>
+              <a:lumOff val="0"/>
+              <a:alphaOff val="0"/>
+            </a:schemeClr>
+          </a:solidFill>
+          <a:prstDash val="solid"/>
+          <a:miter lim="800000"/>
+        </a:ln>
+        <a:effectLst/>
+      </dsp:spPr>
+      <dsp:style>
+        <a:lnRef idx="2">
+          <a:scrgbClr r="0" g="0" b="0"/>
+        </a:lnRef>
+        <a:fillRef idx="1">
+          <a:scrgbClr r="0" g="0" b="0"/>
+        </a:fillRef>
+        <a:effectRef idx="0">
+          <a:scrgbClr r="0" g="0" b="0"/>
+        </a:effectRef>
+        <a:fontRef idx="minor">
+          <a:schemeClr val="lt1"/>
+        </a:fontRef>
+      </dsp:style>
+      <dsp:txBody>
+        <a:bodyPr spcFirstLastPara="0" vert="horz" wrap="square" lIns="215053" tIns="0" rIns="215053" bIns="0" numCol="1" spcCol="1270" anchor="ctr" anchorCtr="0">
+          <a:noAutofit/>
+        </a:bodyPr>
+        <a:lstStyle/>
+        <a:p>
+          <a:pPr marL="0" lvl="0" indent="0" algn="l" defTabSz="577850">
+            <a:lnSpc>
+              <a:spcPct val="90000"/>
+            </a:lnSpc>
+            <a:spcBef>
+              <a:spcPct val="0"/>
+            </a:spcBef>
+            <a:spcAft>
+              <a:spcPct val="35000"/>
+            </a:spcAft>
+            <a:buNone/>
+          </a:pPr>
+          <a:r>
+            <a:rPr lang="en-US" sz="1300" kern="1200" dirty="0">
+              <a:latin typeface="Georgia" panose="02040502050405020303" pitchFamily="18" charset="0"/>
+            </a:rPr>
+            <a:t>CREATE A FLASK APP</a:t>
+          </a:r>
+          <a:endParaRPr lang="en-IN" sz="1300" kern="1200" dirty="0">
+            <a:latin typeface="Georgia" panose="02040502050405020303" pitchFamily="18" charset="0"/>
+          </a:endParaRPr>
+        </a:p>
+      </dsp:txBody>
+      <dsp:txXfrm>
+        <a:off x="425134" y="4237367"/>
+        <a:ext cx="5652132" cy="346292"/>
+      </dsp:txXfrm>
+    </dsp:sp>
+    <dsp:sp modelId="{CB47FAA5-0FF4-4E85-8B01-3DCDF72632F2}">
+      <dsp:nvSpPr>
+        <dsp:cNvPr id="0" name=""/>
+        <dsp:cNvSpPr/>
+      </dsp:nvSpPr>
+      <dsp:spPr>
+        <a:xfrm>
+          <a:off x="0" y="5000193"/>
+          <a:ext cx="8128000" cy="327600"/>
+        </a:xfrm>
+        <a:prstGeom prst="rect">
+          <a:avLst/>
+        </a:prstGeom>
+        <a:solidFill>
+          <a:schemeClr val="lt1">
+            <a:alpha val="90000"/>
+            <a:hueOff val="0"/>
+            <a:satOff val="0"/>
+            <a:lumOff val="0"/>
+            <a:alphaOff val="0"/>
+          </a:schemeClr>
+        </a:solidFill>
+        <a:ln w="12700" cap="flat" cmpd="sng" algn="ctr">
+          <a:solidFill>
+            <a:schemeClr val="accent1">
+              <a:hueOff val="0"/>
+              <a:satOff val="0"/>
+              <a:lumOff val="0"/>
+              <a:alphaOff val="0"/>
+            </a:schemeClr>
+          </a:solidFill>
+          <a:prstDash val="solid"/>
+          <a:miter lim="800000"/>
+        </a:ln>
+        <a:effectLst/>
+      </dsp:spPr>
+      <dsp:style>
+        <a:lnRef idx="2">
+          <a:scrgbClr r="0" g="0" b="0"/>
+        </a:lnRef>
+        <a:fillRef idx="1">
+          <a:scrgbClr r="0" g="0" b="0"/>
+        </a:fillRef>
+        <a:effectRef idx="0">
+          <a:scrgbClr r="0" g="0" b="0"/>
+        </a:effectRef>
+        <a:fontRef idx="minor"/>
+      </dsp:style>
+    </dsp:sp>
+    <dsp:sp modelId="{1547D3EE-E909-42CB-8CD2-194744D4F1EA}">
+      <dsp:nvSpPr>
+        <dsp:cNvPr id="0" name=""/>
+        <dsp:cNvSpPr/>
+      </dsp:nvSpPr>
+      <dsp:spPr>
+        <a:xfrm>
+          <a:off x="406400" y="4808313"/>
+          <a:ext cx="5689600" cy="383760"/>
+        </a:xfrm>
+        <a:prstGeom prst="roundRect">
+          <a:avLst/>
+        </a:prstGeom>
+        <a:solidFill>
+          <a:schemeClr val="accent5">
+            <a:lumMod val="75000"/>
+          </a:schemeClr>
+        </a:solidFill>
+        <a:ln w="12700" cap="flat" cmpd="sng" algn="ctr">
+          <a:solidFill>
+            <a:schemeClr val="lt1">
+              <a:hueOff val="0"/>
+              <a:satOff val="0"/>
+              <a:lumOff val="0"/>
+              <a:alphaOff val="0"/>
+            </a:schemeClr>
+          </a:solidFill>
+          <a:prstDash val="solid"/>
+          <a:miter lim="800000"/>
+        </a:ln>
+        <a:effectLst/>
+      </dsp:spPr>
+      <dsp:style>
+        <a:lnRef idx="2">
+          <a:scrgbClr r="0" g="0" b="0"/>
+        </a:lnRef>
+        <a:fillRef idx="1">
+          <a:scrgbClr r="0" g="0" b="0"/>
+        </a:fillRef>
+        <a:effectRef idx="0">
+          <a:scrgbClr r="0" g="0" b="0"/>
+        </a:effectRef>
+        <a:fontRef idx="minor">
+          <a:schemeClr val="lt1"/>
+        </a:fontRef>
+      </dsp:style>
+      <dsp:txBody>
+        <a:bodyPr spcFirstLastPara="0" vert="horz" wrap="square" lIns="215053" tIns="0" rIns="215053" bIns="0" numCol="1" spcCol="1270" anchor="ctr" anchorCtr="0">
+          <a:noAutofit/>
+        </a:bodyPr>
+        <a:lstStyle/>
+        <a:p>
+          <a:pPr marL="0" lvl="0" indent="0" algn="l" defTabSz="577850">
+            <a:lnSpc>
+              <a:spcPct val="90000"/>
+            </a:lnSpc>
+            <a:spcBef>
+              <a:spcPct val="0"/>
+            </a:spcBef>
+            <a:spcAft>
+              <a:spcPct val="35000"/>
+            </a:spcAft>
+            <a:buNone/>
+          </a:pPr>
+          <a:r>
+            <a:rPr lang="en-US" sz="1300" kern="1200" dirty="0">
+              <a:latin typeface="Georgia" panose="02040502050405020303" pitchFamily="18" charset="0"/>
+            </a:rPr>
+            <a:t>DEPLOY APP </a:t>
+          </a:r>
+          <a:endParaRPr lang="en-IN" sz="1300" kern="1200" dirty="0">
+            <a:latin typeface="Georgia" panose="02040502050405020303" pitchFamily="18" charset="0"/>
+          </a:endParaRPr>
+        </a:p>
+      </dsp:txBody>
+      <dsp:txXfrm>
+        <a:off x="425134" y="4827047"/>
+        <a:ext cx="5652132" cy="346292"/>
       </dsp:txXfrm>
     </dsp:sp>
   </dsp:spTree>
@@ -5635,7 +6074,7 @@
           <a:p>
             <a:fld id="{A796799A-0037-4840-BECE-EACE0C25B660}" type="datetimeFigureOut">
               <a:rPr lang="en-IN" smtClean="0"/>
-              <a:t>09-03-2023</a:t>
+              <a:t>10-03-2023</a:t>
             </a:fld>
             <a:endParaRPr lang="en-IN"/>
           </a:p>
@@ -6156,7 +6595,7 @@
           <a:p>
             <a:fld id="{2A8A4898-843E-4579-8C61-934E7BE5F681}" type="datetimeFigureOut">
               <a:rPr lang="en-IN" smtClean="0"/>
-              <a:t>09-03-2023</a:t>
+              <a:t>10-03-2023</a:t>
             </a:fld>
             <a:endParaRPr lang="en-IN"/>
           </a:p>
@@ -6356,7 +6795,7 @@
           <a:p>
             <a:fld id="{2A8A4898-843E-4579-8C61-934E7BE5F681}" type="datetimeFigureOut">
               <a:rPr lang="en-IN" smtClean="0"/>
-              <a:t>09-03-2023</a:t>
+              <a:t>10-03-2023</a:t>
             </a:fld>
             <a:endParaRPr lang="en-IN"/>
           </a:p>
@@ -6566,7 +7005,7 @@
           <a:p>
             <a:fld id="{2A8A4898-843E-4579-8C61-934E7BE5F681}" type="datetimeFigureOut">
               <a:rPr lang="en-IN" smtClean="0"/>
-              <a:t>09-03-2023</a:t>
+              <a:t>10-03-2023</a:t>
             </a:fld>
             <a:endParaRPr lang="en-IN"/>
           </a:p>
@@ -7329,7 +7768,7 @@
           <a:p>
             <a:fld id="{2A8A4898-843E-4579-8C61-934E7BE5F681}" type="datetimeFigureOut">
               <a:rPr lang="en-IN" smtClean="0"/>
-              <a:t>09-03-2023</a:t>
+              <a:t>10-03-2023</a:t>
             </a:fld>
             <a:endParaRPr lang="en-IN"/>
           </a:p>
@@ -7605,7 +8044,7 @@
           <a:p>
             <a:fld id="{2A8A4898-843E-4579-8C61-934E7BE5F681}" type="datetimeFigureOut">
               <a:rPr lang="en-IN" smtClean="0"/>
-              <a:t>09-03-2023</a:t>
+              <a:t>10-03-2023</a:t>
             </a:fld>
             <a:endParaRPr lang="en-IN"/>
           </a:p>
@@ -7873,7 +8312,7 @@
           <a:p>
             <a:fld id="{2A8A4898-843E-4579-8C61-934E7BE5F681}" type="datetimeFigureOut">
               <a:rPr lang="en-IN" smtClean="0"/>
-              <a:t>09-03-2023</a:t>
+              <a:t>10-03-2023</a:t>
             </a:fld>
             <a:endParaRPr lang="en-IN"/>
           </a:p>
@@ -8288,7 +8727,7 @@
           <a:p>
             <a:fld id="{2A8A4898-843E-4579-8C61-934E7BE5F681}" type="datetimeFigureOut">
               <a:rPr lang="en-IN" smtClean="0"/>
-              <a:t>09-03-2023</a:t>
+              <a:t>10-03-2023</a:t>
             </a:fld>
             <a:endParaRPr lang="en-IN"/>
           </a:p>
@@ -8430,7 +8869,7 @@
           <a:p>
             <a:fld id="{2A8A4898-843E-4579-8C61-934E7BE5F681}" type="datetimeFigureOut">
               <a:rPr lang="en-IN" smtClean="0"/>
-              <a:t>09-03-2023</a:t>
+              <a:t>10-03-2023</a:t>
             </a:fld>
             <a:endParaRPr lang="en-IN"/>
           </a:p>
@@ -8543,7 +8982,7 @@
           <a:p>
             <a:fld id="{2A8A4898-843E-4579-8C61-934E7BE5F681}" type="datetimeFigureOut">
               <a:rPr lang="en-IN" smtClean="0"/>
-              <a:t>09-03-2023</a:t>
+              <a:t>10-03-2023</a:t>
             </a:fld>
             <a:endParaRPr lang="en-IN"/>
           </a:p>
@@ -8856,7 +9295,7 @@
           <a:p>
             <a:fld id="{2A8A4898-843E-4579-8C61-934E7BE5F681}" type="datetimeFigureOut">
               <a:rPr lang="en-IN" smtClean="0"/>
-              <a:t>09-03-2023</a:t>
+              <a:t>10-03-2023</a:t>
             </a:fld>
             <a:endParaRPr lang="en-IN"/>
           </a:p>
@@ -9145,7 +9584,7 @@
           <a:p>
             <a:fld id="{2A8A4898-843E-4579-8C61-934E7BE5F681}" type="datetimeFigureOut">
               <a:rPr lang="en-IN" smtClean="0"/>
-              <a:t>09-03-2023</a:t>
+              <a:t>10-03-2023</a:t>
             </a:fld>
             <a:endParaRPr lang="en-IN"/>
           </a:p>
@@ -9418,7 +9857,7 @@
           <a:p>
             <a:fld id="{2A8A4898-843E-4579-8C61-934E7BE5F681}" type="datetimeFigureOut">
               <a:rPr lang="en-IN" smtClean="0"/>
-              <a:t>09-03-2023</a:t>
+              <a:t>10-03-2023</a:t>
             </a:fld>
             <a:endParaRPr lang="en-IN"/>
           </a:p>
@@ -9927,6 +10366,253 @@
       </p:grpSpPr>
       <p:sp>
         <p:nvSpPr>
+          <p:cNvPr id="2" name="Title 1">
+            <a:extLst>
+              <a:ext uri="{FF2B5EF4-FFF2-40B4-BE49-F238E27FC236}">
+                <a16:creationId xmlns:a16="http://schemas.microsoft.com/office/drawing/2014/main" id="{059A6026-E3EA-743A-7610-B2BFE1DA81E8}"/>
+              </a:ext>
+            </a:extLst>
+          </p:cNvPr>
+          <p:cNvSpPr>
+            <a:spLocks noGrp="1"/>
+          </p:cNvSpPr>
+          <p:nvPr>
+            <p:ph type="title"/>
+          </p:nvPr>
+        </p:nvSpPr>
+        <p:spPr/>
+        <p:txBody>
+          <a:bodyPr/>
+          <a:lstStyle/>
+          <a:p>
+            <a:r>
+              <a:rPr lang="en-US" u="sng" dirty="0"/>
+              <a:t>MACHINE LEARNING ALGORITHM</a:t>
+            </a:r>
+            <a:r>
+              <a:rPr lang="en-US" dirty="0"/>
+              <a:t> :-</a:t>
+            </a:r>
+            <a:endParaRPr lang="en-IN" u="sng" dirty="0"/>
+          </a:p>
+        </p:txBody>
+      </p:sp>
+      <p:sp>
+        <p:nvSpPr>
+          <p:cNvPr id="3" name="Content Placeholder 2">
+            <a:extLst>
+              <a:ext uri="{FF2B5EF4-FFF2-40B4-BE49-F238E27FC236}">
+                <a16:creationId xmlns:a16="http://schemas.microsoft.com/office/drawing/2014/main" id="{77DC172A-2D41-8C94-BC39-E5E3C432095E}"/>
+              </a:ext>
+            </a:extLst>
+          </p:cNvPr>
+          <p:cNvSpPr>
+            <a:spLocks noGrp="1"/>
+          </p:cNvSpPr>
+          <p:nvPr>
+            <p:ph idx="1"/>
+          </p:nvPr>
+        </p:nvSpPr>
+        <p:spPr/>
+        <p:txBody>
+          <a:bodyPr/>
+          <a:lstStyle/>
+          <a:p>
+            <a:pPr marL="342900" lvl="0" indent="-342900">
+              <a:lnSpc>
+                <a:spcPct val="107000"/>
+              </a:lnSpc>
+              <a:buFont typeface="Symbol" panose="05050102010706020507" pitchFamily="18" charset="2"/>
+              <a:buChar char=""/>
+              <a:tabLst>
+                <a:tab pos="3933825" algn="l"/>
+              </a:tabLst>
+            </a:pPr>
+            <a:r>
+              <a:rPr lang="en-US" sz="2000" dirty="0">
+                <a:effectLst/>
+                <a:latin typeface="Calibri" panose="020F0502020204030204" pitchFamily="34" charset="0"/>
+                <a:ea typeface="Calibri" panose="020F0502020204030204" pitchFamily="34" charset="0"/>
+                <a:cs typeface="Times New Roman" panose="02020603050405020304" pitchFamily="18" charset="0"/>
+              </a:rPr>
+              <a:t>Since this is a classification problem, some popular machine learning algorithms such as Logistic Regression, </a:t>
+            </a:r>
+            <a:r>
+              <a:rPr lang="en-US" sz="2000" dirty="0" err="1">
+                <a:effectLst/>
+                <a:latin typeface="Calibri" panose="020F0502020204030204" pitchFamily="34" charset="0"/>
+                <a:ea typeface="Calibri" panose="020F0502020204030204" pitchFamily="34" charset="0"/>
+                <a:cs typeface="Times New Roman" panose="02020603050405020304" pitchFamily="18" charset="0"/>
+              </a:rPr>
+              <a:t>KMeans</a:t>
+            </a:r>
+            <a:r>
+              <a:rPr lang="en-US" sz="2000" dirty="0">
+                <a:effectLst/>
+                <a:latin typeface="Calibri" panose="020F0502020204030204" pitchFamily="34" charset="0"/>
+                <a:ea typeface="Calibri" panose="020F0502020204030204" pitchFamily="34" charset="0"/>
+                <a:cs typeface="Times New Roman" panose="02020603050405020304" pitchFamily="18" charset="0"/>
+              </a:rPr>
+              <a:t>, Decision tree, Random Forest, </a:t>
+            </a:r>
+            <a:r>
+              <a:rPr lang="en-US" sz="2000" dirty="0" err="1">
+                <a:effectLst/>
+                <a:latin typeface="Calibri" panose="020F0502020204030204" pitchFamily="34" charset="0"/>
+                <a:ea typeface="Calibri" panose="020F0502020204030204" pitchFamily="34" charset="0"/>
+                <a:cs typeface="Times New Roman" panose="02020603050405020304" pitchFamily="18" charset="0"/>
+              </a:rPr>
+              <a:t>Navie</a:t>
+            </a:r>
+            <a:r>
+              <a:rPr lang="en-US" sz="2000" dirty="0">
+                <a:effectLst/>
+                <a:latin typeface="Calibri" panose="020F0502020204030204" pitchFamily="34" charset="0"/>
+                <a:ea typeface="Calibri" panose="020F0502020204030204" pitchFamily="34" charset="0"/>
+                <a:cs typeface="Times New Roman" panose="02020603050405020304" pitchFamily="18" charset="0"/>
+              </a:rPr>
+              <a:t> Bias, Support vector machine can be used. We apply each model and perform hyperparameter tuning to achieve maximum accuracy and roc </a:t>
+            </a:r>
+            <a:r>
+              <a:rPr lang="en-US" sz="2000" dirty="0" err="1">
+                <a:effectLst/>
+                <a:latin typeface="Calibri" panose="020F0502020204030204" pitchFamily="34" charset="0"/>
+                <a:ea typeface="Calibri" panose="020F0502020204030204" pitchFamily="34" charset="0"/>
+                <a:cs typeface="Times New Roman" panose="02020603050405020304" pitchFamily="18" charset="0"/>
+              </a:rPr>
+              <a:t>auc</a:t>
+            </a:r>
+            <a:r>
+              <a:rPr lang="en-US" sz="2000" dirty="0">
+                <a:effectLst/>
+                <a:latin typeface="Calibri" panose="020F0502020204030204" pitchFamily="34" charset="0"/>
+                <a:ea typeface="Calibri" panose="020F0502020204030204" pitchFamily="34" charset="0"/>
+                <a:cs typeface="Times New Roman" panose="02020603050405020304" pitchFamily="18" charset="0"/>
+              </a:rPr>
+              <a:t> score.</a:t>
+            </a:r>
+            <a:endParaRPr lang="en-IN" sz="2000" dirty="0">
+              <a:effectLst/>
+              <a:latin typeface="Calibri" panose="020F0502020204030204" pitchFamily="34" charset="0"/>
+              <a:ea typeface="Calibri" panose="020F0502020204030204" pitchFamily="34" charset="0"/>
+              <a:cs typeface="Times New Roman" panose="02020603050405020304" pitchFamily="18" charset="0"/>
+            </a:endParaRPr>
+          </a:p>
+          <a:p>
+            <a:pPr marL="342900" lvl="0" indent="-342900">
+              <a:lnSpc>
+                <a:spcPct val="107000"/>
+              </a:lnSpc>
+              <a:spcAft>
+                <a:spcPts val="800"/>
+              </a:spcAft>
+              <a:buFont typeface="Symbol" panose="05050102010706020507" pitchFamily="18" charset="2"/>
+              <a:buChar char=""/>
+              <a:tabLst>
+                <a:tab pos="3933825" algn="l"/>
+              </a:tabLst>
+            </a:pPr>
+            <a:r>
+              <a:rPr lang="en-US" sz="2000" dirty="0">
+                <a:effectLst/>
+                <a:latin typeface="Calibri" panose="020F0502020204030204" pitchFamily="34" charset="0"/>
+                <a:ea typeface="Calibri" panose="020F0502020204030204" pitchFamily="34" charset="0"/>
+                <a:cs typeface="Times New Roman" panose="02020603050405020304" pitchFamily="18" charset="0"/>
+              </a:rPr>
+              <a:t>We have calculated the roc </a:t>
+            </a:r>
+            <a:r>
+              <a:rPr lang="en-US" sz="2000" dirty="0" err="1">
+                <a:effectLst/>
+                <a:latin typeface="Calibri" panose="020F0502020204030204" pitchFamily="34" charset="0"/>
+                <a:ea typeface="Calibri" panose="020F0502020204030204" pitchFamily="34" charset="0"/>
+                <a:cs typeface="Times New Roman" panose="02020603050405020304" pitchFamily="18" charset="0"/>
+              </a:rPr>
+              <a:t>auc</a:t>
+            </a:r>
+            <a:r>
+              <a:rPr lang="en-US" sz="2000" dirty="0">
+                <a:effectLst/>
+                <a:latin typeface="Calibri" panose="020F0502020204030204" pitchFamily="34" charset="0"/>
+                <a:ea typeface="Calibri" panose="020F0502020204030204" pitchFamily="34" charset="0"/>
+                <a:cs typeface="Times New Roman" panose="02020603050405020304" pitchFamily="18" charset="0"/>
+              </a:rPr>
+              <a:t> score for all the models.</a:t>
+            </a:r>
+            <a:endParaRPr lang="en-IN" sz="2000" dirty="0">
+              <a:effectLst/>
+              <a:latin typeface="Calibri" panose="020F0502020204030204" pitchFamily="34" charset="0"/>
+              <a:ea typeface="Calibri" panose="020F0502020204030204" pitchFamily="34" charset="0"/>
+              <a:cs typeface="Times New Roman" panose="02020603050405020304" pitchFamily="18" charset="0"/>
+            </a:endParaRPr>
+          </a:p>
+          <a:p>
+            <a:endParaRPr lang="en-IN" dirty="0"/>
+          </a:p>
+        </p:txBody>
+      </p:sp>
+      <p:pic>
+        <p:nvPicPr>
+          <p:cNvPr id="4" name="Picture 3">
+            <a:extLst>
+              <a:ext uri="{FF2B5EF4-FFF2-40B4-BE49-F238E27FC236}">
+                <a16:creationId xmlns:a16="http://schemas.microsoft.com/office/drawing/2014/main" id="{CF0C187F-37CB-5E39-661E-538FC4F6BA1D}"/>
+              </a:ext>
+            </a:extLst>
+          </p:cNvPr>
+          <p:cNvPicPr>
+            <a:picLocks noChangeAspect="1"/>
+          </p:cNvPicPr>
+          <p:nvPr/>
+        </p:nvPicPr>
+        <p:blipFill>
+          <a:blip r:embed="rId2"/>
+          <a:stretch>
+            <a:fillRect/>
+          </a:stretch>
+        </p:blipFill>
+        <p:spPr>
+          <a:xfrm>
+            <a:off x="1138969" y="4001293"/>
+            <a:ext cx="5156627" cy="2491581"/>
+          </a:xfrm>
+          <a:prstGeom prst="rect">
+            <a:avLst/>
+          </a:prstGeom>
+        </p:spPr>
+      </p:pic>
+    </p:spTree>
+    <p:extLst>
+      <p:ext uri="{BB962C8B-B14F-4D97-AF65-F5344CB8AC3E}">
+        <p14:creationId xmlns:p14="http://schemas.microsoft.com/office/powerpoint/2010/main" val="1171153989"/>
+      </p:ext>
+    </p:extLst>
+  </p:cSld>
+  <p:clrMapOvr>
+    <a:masterClrMapping/>
+  </p:clrMapOvr>
+</p:sld>
+</file>
+
+<file path=ppt/slides/slide11.xml><?xml version="1.0" encoding="utf-8"?>
+<p:sld xmlns:a="http://schemas.openxmlformats.org/drawingml/2006/main" xmlns:r="http://schemas.openxmlformats.org/officeDocument/2006/relationships" xmlns:p="http://schemas.openxmlformats.org/presentationml/2006/main">
+  <p:cSld>
+    <p:spTree>
+      <p:nvGrpSpPr>
+        <p:cNvPr id="1" name=""/>
+        <p:cNvGrpSpPr/>
+        <p:nvPr/>
+      </p:nvGrpSpPr>
+      <p:grpSpPr>
+        <a:xfrm>
+          <a:off x="0" y="0"/>
+          <a:ext cx="0" cy="0"/>
+          <a:chOff x="0" y="0"/>
+          <a:chExt cx="0" cy="0"/>
+        </a:xfrm>
+      </p:grpSpPr>
+      <p:sp>
+        <p:nvSpPr>
           <p:cNvPr id="3" name="Content Placeholder 2">
             <a:extLst>
               <a:ext uri="{FF2B5EF4-FFF2-40B4-BE49-F238E27FC236}">
@@ -10143,7 +10829,7 @@
 </p:sld>
 </file>
 
-<file path=ppt/slides/slide11.xml><?xml version="1.0" encoding="utf-8"?>
+<file path=ppt/slides/slide12.xml><?xml version="1.0" encoding="utf-8"?>
 <p:sld xmlns:a="http://schemas.openxmlformats.org/drawingml/2006/main" xmlns:r="http://schemas.openxmlformats.org/officeDocument/2006/relationships" xmlns:p="http://schemas.openxmlformats.org/presentationml/2006/main">
   <p:cSld>
     <p:spTree>
@@ -10344,7 +11030,7 @@
 </p:sld>
 </file>
 
-<file path=ppt/slides/slide12.xml><?xml version="1.0" encoding="utf-8"?>
+<file path=ppt/slides/slide13.xml><?xml version="1.0" encoding="utf-8"?>
 <p:sld xmlns:a="http://schemas.openxmlformats.org/drawingml/2006/main" xmlns:r="http://schemas.openxmlformats.org/officeDocument/2006/relationships" xmlns:p="http://schemas.openxmlformats.org/presentationml/2006/main">
   <p:cSld>
     <p:spTree>
@@ -10482,7 +11168,7 @@
 </p:sld>
 </file>
 
-<file path=ppt/slides/slide13.xml><?xml version="1.0" encoding="utf-8"?>
+<file path=ppt/slides/slide14.xml><?xml version="1.0" encoding="utf-8"?>
 <p:sld xmlns:a="http://schemas.openxmlformats.org/drawingml/2006/main" xmlns:r="http://schemas.openxmlformats.org/officeDocument/2006/relationships" xmlns:p="http://schemas.openxmlformats.org/presentationml/2006/main">
   <p:cSld>
     <p:spTree>
@@ -10651,7 +11337,7 @@
 </p:sld>
 </file>
 
-<file path=ppt/slides/slide14.xml><?xml version="1.0" encoding="utf-8"?>
+<file path=ppt/slides/slide15.xml><?xml version="1.0" encoding="utf-8"?>
 <p:sld xmlns:a="http://schemas.openxmlformats.org/drawingml/2006/main" xmlns:r="http://schemas.openxmlformats.org/officeDocument/2006/relationships" xmlns:p="http://schemas.openxmlformats.org/presentationml/2006/main">
   <p:cSld>
     <p:spTree>
@@ -10829,7 +11515,243 @@
 </p:sld>
 </file>
 
-<file path=ppt/slides/slide15.xml><?xml version="1.0" encoding="utf-8"?>
+<file path=ppt/slides/slide16.xml><?xml version="1.0" encoding="utf-8"?>
+<p:sld xmlns:a="http://schemas.openxmlformats.org/drawingml/2006/main" xmlns:r="http://schemas.openxmlformats.org/officeDocument/2006/relationships" xmlns:p="http://schemas.openxmlformats.org/presentationml/2006/main">
+  <p:cSld>
+    <p:spTree>
+      <p:nvGrpSpPr>
+        <p:cNvPr id="1" name=""/>
+        <p:cNvGrpSpPr/>
+        <p:nvPr/>
+      </p:nvGrpSpPr>
+      <p:grpSpPr>
+        <a:xfrm>
+          <a:off x="0" y="0"/>
+          <a:ext cx="0" cy="0"/>
+          <a:chOff x="0" y="0"/>
+          <a:chExt cx="0" cy="0"/>
+        </a:xfrm>
+      </p:grpSpPr>
+      <p:sp>
+        <p:nvSpPr>
+          <p:cNvPr id="2" name="Title 1">
+            <a:extLst>
+              <a:ext uri="{FF2B5EF4-FFF2-40B4-BE49-F238E27FC236}">
+                <a16:creationId xmlns:a16="http://schemas.microsoft.com/office/drawing/2014/main" id="{D62F7246-9658-7807-4C7C-DC575B767764}"/>
+              </a:ext>
+            </a:extLst>
+          </p:cNvPr>
+          <p:cNvSpPr>
+            <a:spLocks noGrp="1"/>
+          </p:cNvSpPr>
+          <p:nvPr>
+            <p:ph type="title"/>
+          </p:nvPr>
+        </p:nvSpPr>
+        <p:spPr/>
+        <p:txBody>
+          <a:bodyPr/>
+          <a:lstStyle/>
+          <a:p>
+            <a:r>
+              <a:rPr lang="en-US" u="sng" dirty="0"/>
+              <a:t>CREATE A WEB APP &amp; DEPLOYMENT</a:t>
+            </a:r>
+            <a:r>
+              <a:rPr lang="en-US" dirty="0"/>
+              <a:t> :-</a:t>
+            </a:r>
+            <a:endParaRPr lang="en-IN" u="sng" dirty="0"/>
+          </a:p>
+        </p:txBody>
+      </p:sp>
+      <p:sp>
+        <p:nvSpPr>
+          <p:cNvPr id="3" name="Content Placeholder 2">
+            <a:extLst>
+              <a:ext uri="{FF2B5EF4-FFF2-40B4-BE49-F238E27FC236}">
+                <a16:creationId xmlns:a16="http://schemas.microsoft.com/office/drawing/2014/main" id="{81EA8123-BF63-F1D6-3A3C-21FBBC70146A}"/>
+              </a:ext>
+            </a:extLst>
+          </p:cNvPr>
+          <p:cNvSpPr>
+            <a:spLocks noGrp="1"/>
+          </p:cNvSpPr>
+          <p:nvPr>
+            <p:ph idx="1"/>
+          </p:nvPr>
+        </p:nvSpPr>
+        <p:spPr/>
+        <p:txBody>
+          <a:bodyPr>
+            <a:normAutofit/>
+          </a:bodyPr>
+          <a:lstStyle/>
+          <a:p>
+            <a:r>
+              <a:rPr lang="en-US" dirty="0"/>
+              <a:t>Saved model and scaling function as separate pickle files named ‘</a:t>
+            </a:r>
+            <a:r>
+              <a:rPr lang="en-US" dirty="0" err="1"/>
+              <a:t>Model_pkl</a:t>
+            </a:r>
+            <a:r>
+              <a:rPr lang="en-US" dirty="0"/>
+              <a:t> and </a:t>
+            </a:r>
+            <a:r>
+              <a:rPr lang="en-US" dirty="0" err="1"/>
+              <a:t>normalizer_pkl</a:t>
+            </a:r>
+            <a:r>
+              <a:rPr lang="en-US" dirty="0"/>
+              <a:t>”.</a:t>
+            </a:r>
+          </a:p>
+          <a:p>
+            <a:r>
+              <a:rPr lang="en-US" dirty="0"/>
+              <a:t>Create html and </a:t>
+            </a:r>
+            <a:r>
+              <a:rPr lang="en-US" dirty="0" err="1"/>
+              <a:t>Css</a:t>
+            </a:r>
+            <a:r>
+              <a:rPr lang="en-US" dirty="0"/>
+              <a:t> files for the frontend of the application</a:t>
+            </a:r>
+          </a:p>
+          <a:p>
+            <a:r>
+              <a:rPr lang="en-US" dirty="0"/>
+              <a:t>Used Flask as the backend framework to connect the HTML files and pickle</a:t>
+            </a:r>
+          </a:p>
+          <a:p>
+            <a:r>
+              <a:rPr lang="en-US" dirty="0"/>
+              <a:t>The application takes 13 input from the user</a:t>
+            </a:r>
+          </a:p>
+          <a:p>
+            <a:r>
+              <a:rPr lang="en-US" dirty="0"/>
+              <a:t>Flask flash messages are used to display the model’s predictions on the frontend</a:t>
+            </a:r>
+          </a:p>
+          <a:p>
+            <a:r>
+              <a:rPr lang="en-US" dirty="0"/>
+              <a:t>Hosted the application on </a:t>
+            </a:r>
+            <a:r>
+              <a:rPr lang="en-US" dirty="0" err="1"/>
+              <a:t>pythonanywhere</a:t>
+            </a:r>
+            <a:r>
+              <a:rPr lang="en-US" dirty="0"/>
+              <a:t>.</a:t>
+            </a:r>
+            <a:endParaRPr lang="en-IN" dirty="0"/>
+          </a:p>
+        </p:txBody>
+      </p:sp>
+    </p:spTree>
+    <p:extLst>
+      <p:ext uri="{BB962C8B-B14F-4D97-AF65-F5344CB8AC3E}">
+        <p14:creationId xmlns:p14="http://schemas.microsoft.com/office/powerpoint/2010/main" val="3599051186"/>
+      </p:ext>
+    </p:extLst>
+  </p:cSld>
+  <p:clrMapOvr>
+    <a:masterClrMapping/>
+  </p:clrMapOvr>
+</p:sld>
+</file>
+
+<file path=ppt/slides/slide17.xml><?xml version="1.0" encoding="utf-8"?>
+<p:sld xmlns:a="http://schemas.openxmlformats.org/drawingml/2006/main" xmlns:r="http://schemas.openxmlformats.org/officeDocument/2006/relationships" xmlns:p="http://schemas.openxmlformats.org/presentationml/2006/main">
+  <p:cSld>
+    <p:spTree>
+      <p:nvGrpSpPr>
+        <p:cNvPr id="1" name=""/>
+        <p:cNvGrpSpPr/>
+        <p:nvPr/>
+      </p:nvGrpSpPr>
+      <p:grpSpPr>
+        <a:xfrm>
+          <a:off x="0" y="0"/>
+          <a:ext cx="0" cy="0"/>
+          <a:chOff x="0" y="0"/>
+          <a:chExt cx="0" cy="0"/>
+        </a:xfrm>
+      </p:grpSpPr>
+      <p:sp>
+        <p:nvSpPr>
+          <p:cNvPr id="2" name="Title 1">
+            <a:extLst>
+              <a:ext uri="{FF2B5EF4-FFF2-40B4-BE49-F238E27FC236}">
+                <a16:creationId xmlns:a16="http://schemas.microsoft.com/office/drawing/2014/main" id="{7DC080B6-E591-3AEA-9742-82FFE1E0E1AE}"/>
+              </a:ext>
+            </a:extLst>
+          </p:cNvPr>
+          <p:cNvSpPr>
+            <a:spLocks noGrp="1"/>
+          </p:cNvSpPr>
+          <p:nvPr>
+            <p:ph type="title"/>
+          </p:nvPr>
+        </p:nvSpPr>
+        <p:spPr/>
+        <p:txBody>
+          <a:bodyPr/>
+          <a:lstStyle/>
+          <a:p>
+            <a:endParaRPr lang="en-IN"/>
+          </a:p>
+        </p:txBody>
+      </p:sp>
+      <p:sp>
+        <p:nvSpPr>
+          <p:cNvPr id="3" name="Content Placeholder 2">
+            <a:extLst>
+              <a:ext uri="{FF2B5EF4-FFF2-40B4-BE49-F238E27FC236}">
+                <a16:creationId xmlns:a16="http://schemas.microsoft.com/office/drawing/2014/main" id="{4D2E29EC-83C0-F2DE-3494-398F4E78C5E3}"/>
+              </a:ext>
+            </a:extLst>
+          </p:cNvPr>
+          <p:cNvSpPr>
+            <a:spLocks noGrp="1"/>
+          </p:cNvSpPr>
+          <p:nvPr>
+            <p:ph idx="1"/>
+          </p:nvPr>
+        </p:nvSpPr>
+        <p:spPr/>
+        <p:txBody>
+          <a:bodyPr/>
+          <a:lstStyle/>
+          <a:p>
+            <a:endParaRPr lang="en-IN"/>
+          </a:p>
+        </p:txBody>
+      </p:sp>
+    </p:spTree>
+    <p:extLst>
+      <p:ext uri="{BB962C8B-B14F-4D97-AF65-F5344CB8AC3E}">
+        <p14:creationId xmlns:p14="http://schemas.microsoft.com/office/powerpoint/2010/main" val="1257357155"/>
+      </p:ext>
+    </p:extLst>
+  </p:cSld>
+  <p:clrMapOvr>
+    <a:masterClrMapping/>
+  </p:clrMapOvr>
+</p:sld>
+</file>
+
+<file path=ppt/slides/slide18.xml><?xml version="1.0" encoding="utf-8"?>
 <p:sld xmlns:a="http://schemas.openxmlformats.org/drawingml/2006/main" xmlns:r="http://schemas.openxmlformats.org/officeDocument/2006/relationships" xmlns:p="http://schemas.openxmlformats.org/presentationml/2006/main">
   <p:cSld>
     <p:spTree>
@@ -11083,7 +12005,7 @@
           <p:nvPr>
             <p:extLst>
               <p:ext uri="{D42A27DB-BD31-4B8C-83A1-F6EECF244321}">
-                <p14:modId xmlns:p14="http://schemas.microsoft.com/office/powerpoint/2010/main" val="3689732094"/>
+                <p14:modId xmlns:p14="http://schemas.microsoft.com/office/powerpoint/2010/main" val="1452357593"/>
               </p:ext>
             </p:extLst>
           </p:nvPr>
@@ -11236,6 +12158,709 @@
           <p:cNvPr id="2" name="Title 1">
             <a:extLst>
               <a:ext uri="{FF2B5EF4-FFF2-40B4-BE49-F238E27FC236}">
+                <a16:creationId xmlns:a16="http://schemas.microsoft.com/office/drawing/2014/main" id="{DCB46CEF-4F34-763C-BD54-8ED30FBF5574}"/>
+              </a:ext>
+            </a:extLst>
+          </p:cNvPr>
+          <p:cNvSpPr>
+            <a:spLocks noGrp="1"/>
+          </p:cNvSpPr>
+          <p:nvPr>
+            <p:ph type="title"/>
+          </p:nvPr>
+        </p:nvSpPr>
+        <p:spPr/>
+        <p:txBody>
+          <a:bodyPr/>
+          <a:lstStyle/>
+          <a:p>
+            <a:endParaRPr lang="en-IN"/>
+          </a:p>
+        </p:txBody>
+      </p:sp>
+      <p:pic>
+        <p:nvPicPr>
+          <p:cNvPr id="4098" name="Picture 2" descr="Sales Marketing Funnel PowerPoint Template ">
+            <a:extLst>
+              <a:ext uri="{FF2B5EF4-FFF2-40B4-BE49-F238E27FC236}">
+                <a16:creationId xmlns:a16="http://schemas.microsoft.com/office/drawing/2014/main" id="{33AC5884-47AA-3EEB-C769-DCF48E38F55C}"/>
+              </a:ext>
+            </a:extLst>
+          </p:cNvPr>
+          <p:cNvPicPr>
+            <a:picLocks noGrp="1" noChangeAspect="1" noChangeArrowheads="1"/>
+          </p:cNvPicPr>
+          <p:nvPr>
+            <p:ph idx="1"/>
+          </p:nvPr>
+        </p:nvPicPr>
+        <p:blipFill>
+          <a:blip r:embed="rId2">
+            <a:extLst>
+              <a:ext uri="{28A0092B-C50C-407E-A947-70E740481C1C}">
+                <a14:useLocalDpi xmlns:a14="http://schemas.microsoft.com/office/drawing/2010/main" val="0"/>
+              </a:ext>
+            </a:extLst>
+          </a:blip>
+          <a:srcRect/>
+          <a:stretch>
+            <a:fillRect/>
+          </a:stretch>
+        </p:blipFill>
+        <p:spPr bwMode="auto">
+          <a:xfrm>
+            <a:off x="0" y="-35864"/>
+            <a:ext cx="12255758" cy="6893864"/>
+          </a:xfrm>
+          <a:prstGeom prst="rect">
+            <a:avLst/>
+          </a:prstGeom>
+          <a:noFill/>
+          <a:extLst>
+            <a:ext uri="{909E8E84-426E-40DD-AFC4-6F175D3DCCD1}">
+              <a14:hiddenFill xmlns:a14="http://schemas.microsoft.com/office/drawing/2010/main">
+                <a:solidFill>
+                  <a:srgbClr val="FFFFFF"/>
+                </a:solidFill>
+              </a14:hiddenFill>
+            </a:ext>
+          </a:extLst>
+        </p:spPr>
+      </p:pic>
+      <p:sp>
+        <p:nvSpPr>
+          <p:cNvPr id="4" name="TextBox 3">
+            <a:extLst>
+              <a:ext uri="{FF2B5EF4-FFF2-40B4-BE49-F238E27FC236}">
+                <a16:creationId xmlns:a16="http://schemas.microsoft.com/office/drawing/2014/main" id="{9354FDE0-54CF-61AF-ED7E-FB233580D1A0}"/>
+              </a:ext>
+            </a:extLst>
+          </p:cNvPr>
+          <p:cNvSpPr txBox="1"/>
+          <p:nvPr/>
+        </p:nvSpPr>
+        <p:spPr>
+          <a:xfrm>
+            <a:off x="447868" y="285348"/>
+            <a:ext cx="3991609" cy="646331"/>
+          </a:xfrm>
+          <a:prstGeom prst="rect">
+            <a:avLst/>
+          </a:prstGeom>
+          <a:solidFill>
+            <a:schemeClr val="bg1"/>
+          </a:solidFill>
+        </p:spPr>
+        <p:txBody>
+          <a:bodyPr wrap="square" rtlCol="0">
+            <a:spAutoFit/>
+          </a:bodyPr>
+          <a:lstStyle/>
+          <a:p>
+            <a:pPr algn="ctr"/>
+            <a:r>
+              <a:rPr lang="en-IN" sz="3600" b="1" dirty="0">
+                <a:latin typeface="Times New Roman" panose="02020603050405020304" pitchFamily="18" charset="0"/>
+                <a:cs typeface="Times New Roman" panose="02020603050405020304" pitchFamily="18" charset="0"/>
+              </a:rPr>
+              <a:t>TOOLS USED</a:t>
+            </a:r>
+          </a:p>
+        </p:txBody>
+      </p:sp>
+      <p:sp>
+        <p:nvSpPr>
+          <p:cNvPr id="5" name="TextBox 4">
+            <a:extLst>
+              <a:ext uri="{FF2B5EF4-FFF2-40B4-BE49-F238E27FC236}">
+                <a16:creationId xmlns:a16="http://schemas.microsoft.com/office/drawing/2014/main" id="{936DC5D8-42C7-A2DF-3B2C-D34B394F4AB9}"/>
+              </a:ext>
+            </a:extLst>
+          </p:cNvPr>
+          <p:cNvSpPr txBox="1"/>
+          <p:nvPr/>
+        </p:nvSpPr>
+        <p:spPr>
+          <a:xfrm>
+            <a:off x="5178490" y="2125399"/>
+            <a:ext cx="1698171" cy="479534"/>
+          </a:xfrm>
+          <a:prstGeom prst="rect">
+            <a:avLst/>
+          </a:prstGeom>
+          <a:solidFill>
+            <a:srgbClr val="252323"/>
+          </a:solidFill>
+        </p:spPr>
+        <p:txBody>
+          <a:bodyPr wrap="square" rtlCol="0">
+            <a:spAutoFit/>
+          </a:bodyPr>
+          <a:lstStyle/>
+          <a:p>
+            <a:pPr algn="ctr"/>
+            <a:r>
+              <a:rPr lang="en-US" sz="2400" b="1" dirty="0">
+                <a:solidFill>
+                  <a:schemeClr val="bg1"/>
+                </a:solidFill>
+                <a:latin typeface="Times New Roman" panose="02020603050405020304" pitchFamily="18" charset="0"/>
+                <a:cs typeface="Times New Roman" panose="02020603050405020304" pitchFamily="18" charset="0"/>
+              </a:rPr>
+              <a:t>P</a:t>
+            </a:r>
+            <a:r>
+              <a:rPr lang="en-IN" sz="2400" b="1" dirty="0">
+                <a:solidFill>
+                  <a:schemeClr val="bg1"/>
+                </a:solidFill>
+                <a:latin typeface="Times New Roman" panose="02020603050405020304" pitchFamily="18" charset="0"/>
+                <a:cs typeface="Times New Roman" panose="02020603050405020304" pitchFamily="18" charset="0"/>
+              </a:rPr>
+              <a:t>YTHON</a:t>
+            </a:r>
+          </a:p>
+        </p:txBody>
+      </p:sp>
+      <p:sp>
+        <p:nvSpPr>
+          <p:cNvPr id="6" name="TextBox 5">
+            <a:extLst>
+              <a:ext uri="{FF2B5EF4-FFF2-40B4-BE49-F238E27FC236}">
+                <a16:creationId xmlns:a16="http://schemas.microsoft.com/office/drawing/2014/main" id="{44028612-1D75-391F-EA2B-6860F8D6A224}"/>
+              </a:ext>
+            </a:extLst>
+          </p:cNvPr>
+          <p:cNvSpPr txBox="1"/>
+          <p:nvPr/>
+        </p:nvSpPr>
+        <p:spPr>
+          <a:xfrm>
+            <a:off x="4884574" y="3998712"/>
+            <a:ext cx="2192694" cy="461665"/>
+          </a:xfrm>
+          <a:prstGeom prst="rect">
+            <a:avLst/>
+          </a:prstGeom>
+          <a:solidFill>
+            <a:srgbClr val="252323"/>
+          </a:solidFill>
+        </p:spPr>
+        <p:txBody>
+          <a:bodyPr wrap="square" rtlCol="0">
+            <a:spAutoFit/>
+          </a:bodyPr>
+          <a:lstStyle/>
+          <a:p>
+            <a:pPr algn="ctr"/>
+            <a:r>
+              <a:rPr lang="en-US" sz="2400" b="1" dirty="0">
+                <a:solidFill>
+                  <a:schemeClr val="bg1"/>
+                </a:solidFill>
+                <a:latin typeface="Times New Roman" panose="02020603050405020304" pitchFamily="18" charset="0"/>
+                <a:cs typeface="Times New Roman" panose="02020603050405020304" pitchFamily="18" charset="0"/>
+              </a:rPr>
+              <a:t>F</a:t>
+            </a:r>
+            <a:r>
+              <a:rPr lang="en-IN" sz="2400" b="1" dirty="0" err="1">
+                <a:solidFill>
+                  <a:schemeClr val="bg1"/>
+                </a:solidFill>
+                <a:latin typeface="Times New Roman" panose="02020603050405020304" pitchFamily="18" charset="0"/>
+                <a:cs typeface="Times New Roman" panose="02020603050405020304" pitchFamily="18" charset="0"/>
+              </a:rPr>
+              <a:t>lask</a:t>
+            </a:r>
+            <a:r>
+              <a:rPr lang="en-IN" sz="2400" b="1" dirty="0">
+                <a:solidFill>
+                  <a:schemeClr val="bg1"/>
+                </a:solidFill>
+                <a:latin typeface="Times New Roman" panose="02020603050405020304" pitchFamily="18" charset="0"/>
+                <a:cs typeface="Times New Roman" panose="02020603050405020304" pitchFamily="18" charset="0"/>
+              </a:rPr>
+              <a:t> &amp; Pickle</a:t>
+            </a:r>
+          </a:p>
+        </p:txBody>
+      </p:sp>
+      <p:sp>
+        <p:nvSpPr>
+          <p:cNvPr id="7" name="TextBox 6">
+            <a:extLst>
+              <a:ext uri="{FF2B5EF4-FFF2-40B4-BE49-F238E27FC236}">
+                <a16:creationId xmlns:a16="http://schemas.microsoft.com/office/drawing/2014/main" id="{233777A8-013D-CA51-C8A8-1C1B26BA1E4D}"/>
+              </a:ext>
+            </a:extLst>
+          </p:cNvPr>
+          <p:cNvSpPr txBox="1"/>
+          <p:nvPr/>
+        </p:nvSpPr>
+        <p:spPr>
+          <a:xfrm>
+            <a:off x="5085182" y="3117156"/>
+            <a:ext cx="1791477" cy="369332"/>
+          </a:xfrm>
+          <a:prstGeom prst="rect">
+            <a:avLst/>
+          </a:prstGeom>
+          <a:solidFill>
+            <a:srgbClr val="5200A3"/>
+          </a:solidFill>
+        </p:spPr>
+        <p:txBody>
+          <a:bodyPr wrap="square" rtlCol="0">
+            <a:spAutoFit/>
+          </a:bodyPr>
+          <a:lstStyle/>
+          <a:p>
+            <a:pPr algn="ctr"/>
+            <a:r>
+              <a:rPr lang="en-IN" b="1" dirty="0">
+                <a:solidFill>
+                  <a:schemeClr val="bg1"/>
+                </a:solidFill>
+                <a:latin typeface="Times New Roman" panose="02020603050405020304" pitchFamily="18" charset="0"/>
+                <a:cs typeface="Times New Roman" panose="02020603050405020304" pitchFamily="18" charset="0"/>
+              </a:rPr>
+              <a:t>HTML, CSS</a:t>
+            </a:r>
+          </a:p>
+        </p:txBody>
+      </p:sp>
+      <p:sp>
+        <p:nvSpPr>
+          <p:cNvPr id="8" name="TextBox 7">
+            <a:extLst>
+              <a:ext uri="{FF2B5EF4-FFF2-40B4-BE49-F238E27FC236}">
+                <a16:creationId xmlns:a16="http://schemas.microsoft.com/office/drawing/2014/main" id="{7B4A478F-3BBD-946F-4FC7-1802B600325A}"/>
+              </a:ext>
+            </a:extLst>
+          </p:cNvPr>
+          <p:cNvSpPr txBox="1"/>
+          <p:nvPr/>
+        </p:nvSpPr>
+        <p:spPr>
+          <a:xfrm>
+            <a:off x="4653876" y="4972601"/>
+            <a:ext cx="2654088" cy="400110"/>
+          </a:xfrm>
+          <a:prstGeom prst="rect">
+            <a:avLst/>
+          </a:prstGeom>
+          <a:solidFill>
+            <a:srgbClr val="5200A3"/>
+          </a:solidFill>
+        </p:spPr>
+        <p:txBody>
+          <a:bodyPr wrap="square" rtlCol="0">
+            <a:spAutoFit/>
+          </a:bodyPr>
+          <a:lstStyle/>
+          <a:p>
+            <a:pPr algn="ctr"/>
+            <a:r>
+              <a:rPr lang="en-US" sz="2000" b="1" dirty="0">
+                <a:solidFill>
+                  <a:schemeClr val="bg1"/>
+                </a:solidFill>
+                <a:latin typeface="Times New Roman" panose="02020603050405020304" pitchFamily="18" charset="0"/>
+                <a:cs typeface="Times New Roman" panose="02020603050405020304" pitchFamily="18" charset="0"/>
+              </a:rPr>
+              <a:t>P</a:t>
+            </a:r>
+            <a:r>
+              <a:rPr lang="en-IN" sz="2000" b="1" dirty="0" err="1">
+                <a:solidFill>
+                  <a:schemeClr val="bg1"/>
+                </a:solidFill>
+                <a:latin typeface="Times New Roman" panose="02020603050405020304" pitchFamily="18" charset="0"/>
+                <a:cs typeface="Times New Roman" panose="02020603050405020304" pitchFamily="18" charset="0"/>
+              </a:rPr>
+              <a:t>ythonanywhere</a:t>
+            </a:r>
+            <a:endParaRPr lang="en-IN" sz="4000" b="1" dirty="0">
+              <a:solidFill>
+                <a:schemeClr val="bg1"/>
+              </a:solidFill>
+              <a:latin typeface="Times New Roman" panose="02020603050405020304" pitchFamily="18" charset="0"/>
+              <a:cs typeface="Times New Roman" panose="02020603050405020304" pitchFamily="18" charset="0"/>
+            </a:endParaRPr>
+          </a:p>
+        </p:txBody>
+      </p:sp>
+      <p:sp>
+        <p:nvSpPr>
+          <p:cNvPr id="9" name="TextBox 8">
+            <a:extLst>
+              <a:ext uri="{FF2B5EF4-FFF2-40B4-BE49-F238E27FC236}">
+                <a16:creationId xmlns:a16="http://schemas.microsoft.com/office/drawing/2014/main" id="{24565EF2-EDA9-3E3C-A461-1F33224882B8}"/>
+              </a:ext>
+            </a:extLst>
+          </p:cNvPr>
+          <p:cNvSpPr txBox="1"/>
+          <p:nvPr/>
+        </p:nvSpPr>
+        <p:spPr>
+          <a:xfrm>
+            <a:off x="8334532" y="2132124"/>
+            <a:ext cx="3750907" cy="276999"/>
+          </a:xfrm>
+          <a:prstGeom prst="rect">
+            <a:avLst/>
+          </a:prstGeom>
+          <a:solidFill>
+            <a:schemeClr val="bg1"/>
+          </a:solidFill>
+        </p:spPr>
+        <p:txBody>
+          <a:bodyPr wrap="square" rtlCol="0">
+            <a:spAutoFit/>
+          </a:bodyPr>
+          <a:lstStyle>
+            <a:defPPr>
+              <a:defRPr lang="en-US"/>
+            </a:defPPr>
+            <a:lvl1pPr algn="r">
+              <a:defRPr sz="1100" b="0" i="0">
+                <a:solidFill>
+                  <a:srgbClr val="202124"/>
+                </a:solidFill>
+                <a:effectLst/>
+                <a:latin typeface="Roboto" panose="02000000000000000000" pitchFamily="2" charset="0"/>
+              </a:defRPr>
+            </a:lvl1pPr>
+          </a:lstStyle>
+          <a:p>
+            <a:pPr algn="l"/>
+            <a:r>
+              <a:rPr lang="en-IN" sz="1200" dirty="0"/>
+              <a:t>For each and every step from EDA to building app..</a:t>
+            </a:r>
+            <a:endParaRPr lang="en-IN" sz="1200" b="1" dirty="0"/>
+          </a:p>
+        </p:txBody>
+      </p:sp>
+      <p:sp>
+        <p:nvSpPr>
+          <p:cNvPr id="11" name="TextBox 10">
+            <a:extLst>
+              <a:ext uri="{FF2B5EF4-FFF2-40B4-BE49-F238E27FC236}">
+                <a16:creationId xmlns:a16="http://schemas.microsoft.com/office/drawing/2014/main" id="{7C960404-2B05-C9F4-E1DA-645F4962C02B}"/>
+              </a:ext>
+            </a:extLst>
+          </p:cNvPr>
+          <p:cNvSpPr txBox="1"/>
+          <p:nvPr/>
+        </p:nvSpPr>
+        <p:spPr>
+          <a:xfrm>
+            <a:off x="141370" y="3034155"/>
+            <a:ext cx="3589176" cy="276999"/>
+          </a:xfrm>
+          <a:prstGeom prst="rect">
+            <a:avLst/>
+          </a:prstGeom>
+          <a:solidFill>
+            <a:schemeClr val="bg1"/>
+          </a:solidFill>
+        </p:spPr>
+        <p:txBody>
+          <a:bodyPr wrap="square" rtlCol="0">
+            <a:spAutoFit/>
+          </a:bodyPr>
+          <a:lstStyle/>
+          <a:p>
+            <a:pPr algn="r"/>
+            <a:r>
+              <a:rPr lang="en-US" sz="1200" dirty="0">
+                <a:solidFill>
+                  <a:srgbClr val="202124"/>
+                </a:solidFill>
+                <a:latin typeface="Roboto" panose="02000000000000000000" pitchFamily="2" charset="0"/>
+              </a:rPr>
+              <a:t> Designing the frontend for the web app.</a:t>
+            </a:r>
+            <a:endParaRPr lang="en-IN" sz="1200" dirty="0">
+              <a:latin typeface="Times New Roman" panose="02020603050405020304" pitchFamily="18" charset="0"/>
+              <a:cs typeface="Times New Roman" panose="02020603050405020304" pitchFamily="18" charset="0"/>
+            </a:endParaRPr>
+          </a:p>
+        </p:txBody>
+      </p:sp>
+      <p:sp>
+        <p:nvSpPr>
+          <p:cNvPr id="3" name="TextBox 2">
+            <a:extLst>
+              <a:ext uri="{FF2B5EF4-FFF2-40B4-BE49-F238E27FC236}">
+                <a16:creationId xmlns:a16="http://schemas.microsoft.com/office/drawing/2014/main" id="{C6157059-6491-7461-4576-2A749BC70560}"/>
+              </a:ext>
+            </a:extLst>
+          </p:cNvPr>
+          <p:cNvSpPr txBox="1"/>
+          <p:nvPr/>
+        </p:nvSpPr>
+        <p:spPr>
+          <a:xfrm>
+            <a:off x="8304244" y="3938397"/>
+            <a:ext cx="3589176" cy="600164"/>
+          </a:xfrm>
+          <a:prstGeom prst="rect">
+            <a:avLst/>
+          </a:prstGeom>
+          <a:solidFill>
+            <a:schemeClr val="bg1"/>
+          </a:solidFill>
+        </p:spPr>
+        <p:txBody>
+          <a:bodyPr wrap="square" rtlCol="0">
+            <a:spAutoFit/>
+          </a:bodyPr>
+          <a:lstStyle/>
+          <a:p>
+            <a:r>
+              <a:rPr lang="en-US" sz="1100" b="1" i="0" dirty="0">
+                <a:solidFill>
+                  <a:srgbClr val="202124"/>
+                </a:solidFill>
+                <a:effectLst/>
+                <a:latin typeface="Roboto" panose="02000000000000000000" pitchFamily="2" charset="0"/>
+              </a:rPr>
+              <a:t>Used Flask web framework for the backend of the application and pickle to pack our machine learning model</a:t>
+            </a:r>
+            <a:endParaRPr lang="en-IN" sz="1100" dirty="0">
+              <a:latin typeface="Times New Roman" panose="02020603050405020304" pitchFamily="18" charset="0"/>
+              <a:cs typeface="Times New Roman" panose="02020603050405020304" pitchFamily="18" charset="0"/>
+            </a:endParaRPr>
+          </a:p>
+        </p:txBody>
+      </p:sp>
+      <p:sp>
+        <p:nvSpPr>
+          <p:cNvPr id="10" name="TextBox 9">
+            <a:extLst>
+              <a:ext uri="{FF2B5EF4-FFF2-40B4-BE49-F238E27FC236}">
+                <a16:creationId xmlns:a16="http://schemas.microsoft.com/office/drawing/2014/main" id="{EDCA9EA5-25A5-DB5E-FC2C-EAEDB23720EB}"/>
+              </a:ext>
+            </a:extLst>
+          </p:cNvPr>
+          <p:cNvSpPr txBox="1"/>
+          <p:nvPr/>
+        </p:nvSpPr>
+        <p:spPr>
+          <a:xfrm>
+            <a:off x="78585" y="4772064"/>
+            <a:ext cx="3681941" cy="461665"/>
+          </a:xfrm>
+          <a:prstGeom prst="rect">
+            <a:avLst/>
+          </a:prstGeom>
+          <a:solidFill>
+            <a:schemeClr val="bg1"/>
+          </a:solidFill>
+        </p:spPr>
+        <p:txBody>
+          <a:bodyPr wrap="square" rtlCol="0">
+            <a:spAutoFit/>
+          </a:bodyPr>
+          <a:lstStyle/>
+          <a:p>
+            <a:pPr algn="r"/>
+            <a:r>
+              <a:rPr lang="en-US" sz="1200" b="0" i="0" dirty="0">
+                <a:solidFill>
+                  <a:srgbClr val="202124"/>
+                </a:solidFill>
+                <a:effectLst/>
+                <a:latin typeface="Roboto" panose="02000000000000000000" pitchFamily="2" charset="0"/>
+              </a:rPr>
+              <a:t>Used </a:t>
+            </a:r>
+            <a:r>
+              <a:rPr lang="en-US" sz="1200" b="0" i="0" dirty="0" err="1">
+                <a:solidFill>
+                  <a:srgbClr val="202124"/>
+                </a:solidFill>
+                <a:effectLst/>
+                <a:latin typeface="Roboto" panose="02000000000000000000" pitchFamily="2" charset="0"/>
+              </a:rPr>
+              <a:t>Pythonanywhere</a:t>
+            </a:r>
+            <a:r>
+              <a:rPr lang="en-US" sz="1200" b="0" i="0" dirty="0">
+                <a:solidFill>
+                  <a:srgbClr val="202124"/>
+                </a:solidFill>
+                <a:effectLst/>
+                <a:latin typeface="Roboto" panose="02000000000000000000" pitchFamily="2" charset="0"/>
+              </a:rPr>
+              <a:t> to host and deploy our web application</a:t>
+            </a:r>
+            <a:r>
+              <a:rPr lang="en-US" sz="1100" b="1" dirty="0">
+                <a:solidFill>
+                  <a:srgbClr val="202124"/>
+                </a:solidFill>
+                <a:latin typeface="Roboto" panose="02000000000000000000" pitchFamily="2" charset="0"/>
+              </a:rPr>
+              <a:t>.</a:t>
+            </a:r>
+            <a:endParaRPr lang="en-IN" sz="1100" dirty="0">
+              <a:latin typeface="Times New Roman" panose="02020603050405020304" pitchFamily="18" charset="0"/>
+              <a:cs typeface="Times New Roman" panose="02020603050405020304" pitchFamily="18" charset="0"/>
+            </a:endParaRPr>
+          </a:p>
+        </p:txBody>
+      </p:sp>
+      <p:sp>
+        <p:nvSpPr>
+          <p:cNvPr id="12" name="Rectangle 11">
+            <a:extLst>
+              <a:ext uri="{FF2B5EF4-FFF2-40B4-BE49-F238E27FC236}">
+                <a16:creationId xmlns:a16="http://schemas.microsoft.com/office/drawing/2014/main" id="{6FADF6EC-0113-98D8-C7AC-4479E0A9CA8F}"/>
+              </a:ext>
+            </a:extLst>
+          </p:cNvPr>
+          <p:cNvSpPr/>
+          <p:nvPr/>
+        </p:nvSpPr>
+        <p:spPr>
+          <a:xfrm>
+            <a:off x="8334532" y="1715755"/>
+            <a:ext cx="3483938" cy="479534"/>
+          </a:xfrm>
+          <a:prstGeom prst="rect">
+            <a:avLst/>
+          </a:prstGeom>
+          <a:solidFill>
+            <a:schemeClr val="bg1"/>
+          </a:solidFill>
+          <a:ln>
+            <a:solidFill>
+              <a:schemeClr val="bg1"/>
+            </a:solidFill>
+          </a:ln>
+        </p:spPr>
+        <p:style>
+          <a:lnRef idx="2">
+            <a:schemeClr val="accent1">
+              <a:shade val="50000"/>
+            </a:schemeClr>
+          </a:lnRef>
+          <a:fillRef idx="1">
+            <a:schemeClr val="accent1"/>
+          </a:fillRef>
+          <a:effectRef idx="0">
+            <a:schemeClr val="accent1"/>
+          </a:effectRef>
+          <a:fontRef idx="minor">
+            <a:schemeClr val="lt1"/>
+          </a:fontRef>
+        </p:style>
+        <p:txBody>
+          <a:bodyPr rtlCol="0" anchor="ctr"/>
+          <a:lstStyle/>
+          <a:p>
+            <a:pPr algn="ctr"/>
+            <a:endParaRPr lang="en-IN">
+              <a:noFill/>
+            </a:endParaRPr>
+          </a:p>
+        </p:txBody>
+      </p:sp>
+      <p:sp>
+        <p:nvSpPr>
+          <p:cNvPr id="13" name="Rectangle 12">
+            <a:extLst>
+              <a:ext uri="{FF2B5EF4-FFF2-40B4-BE49-F238E27FC236}">
+                <a16:creationId xmlns:a16="http://schemas.microsoft.com/office/drawing/2014/main" id="{B1981624-E31A-993C-3F36-3C0E639AA7C7}"/>
+              </a:ext>
+            </a:extLst>
+          </p:cNvPr>
+          <p:cNvSpPr/>
+          <p:nvPr/>
+        </p:nvSpPr>
+        <p:spPr>
+          <a:xfrm>
+            <a:off x="238959" y="2693592"/>
+            <a:ext cx="3483938" cy="380749"/>
+          </a:xfrm>
+          <a:prstGeom prst="rect">
+            <a:avLst/>
+          </a:prstGeom>
+          <a:solidFill>
+            <a:schemeClr val="bg1"/>
+          </a:solidFill>
+          <a:ln>
+            <a:solidFill>
+              <a:schemeClr val="bg1"/>
+            </a:solidFill>
+          </a:ln>
+        </p:spPr>
+        <p:style>
+          <a:lnRef idx="2">
+            <a:schemeClr val="accent1">
+              <a:shade val="50000"/>
+            </a:schemeClr>
+          </a:lnRef>
+          <a:fillRef idx="1">
+            <a:schemeClr val="accent1"/>
+          </a:fillRef>
+          <a:effectRef idx="0">
+            <a:schemeClr val="accent1"/>
+          </a:effectRef>
+          <a:fontRef idx="minor">
+            <a:schemeClr val="lt1"/>
+          </a:fontRef>
+        </p:style>
+        <p:txBody>
+          <a:bodyPr rtlCol="0" anchor="ctr"/>
+          <a:lstStyle/>
+          <a:p>
+            <a:pPr algn="ctr"/>
+            <a:endParaRPr lang="en-IN">
+              <a:noFill/>
+            </a:endParaRPr>
+          </a:p>
+        </p:txBody>
+      </p:sp>
+    </p:spTree>
+    <p:extLst>
+      <p:ext uri="{BB962C8B-B14F-4D97-AF65-F5344CB8AC3E}">
+        <p14:creationId xmlns:p14="http://schemas.microsoft.com/office/powerpoint/2010/main" val="4045648001"/>
+      </p:ext>
+    </p:extLst>
+  </p:cSld>
+  <p:clrMapOvr>
+    <a:masterClrMapping/>
+  </p:clrMapOvr>
+</p:sld>
+</file>
+
+<file path=ppt/slides/slide5.xml><?xml version="1.0" encoding="utf-8"?>
+<p:sld xmlns:a="http://schemas.openxmlformats.org/drawingml/2006/main" xmlns:r="http://schemas.openxmlformats.org/officeDocument/2006/relationships" xmlns:p="http://schemas.openxmlformats.org/presentationml/2006/main">
+  <p:cSld>
+    <p:spTree>
+      <p:nvGrpSpPr>
+        <p:cNvPr id="1" name=""/>
+        <p:cNvGrpSpPr/>
+        <p:nvPr/>
+      </p:nvGrpSpPr>
+      <p:grpSpPr>
+        <a:xfrm>
+          <a:off x="0" y="0"/>
+          <a:ext cx="0" cy="0"/>
+          <a:chOff x="0" y="0"/>
+          <a:chExt cx="0" cy="0"/>
+        </a:xfrm>
+      </p:grpSpPr>
+      <p:sp>
+        <p:nvSpPr>
+          <p:cNvPr id="2" name="Title 1">
+            <a:extLst>
+              <a:ext uri="{FF2B5EF4-FFF2-40B4-BE49-F238E27FC236}">
                 <a16:creationId xmlns:a16="http://schemas.microsoft.com/office/drawing/2014/main" id="{E7586168-8527-4C56-241E-8047E1BA8FEC}"/>
               </a:ext>
             </a:extLst>
@@ -11541,7 +13166,7 @@
 </p:sld>
 </file>
 
-<file path=ppt/slides/slide5.xml><?xml version="1.0" encoding="utf-8"?>
+<file path=ppt/slides/slide6.xml><?xml version="1.0" encoding="utf-8"?>
 <p:sld xmlns:a="http://schemas.openxmlformats.org/drawingml/2006/main" xmlns:r="http://schemas.openxmlformats.org/officeDocument/2006/relationships" xmlns:p="http://schemas.openxmlformats.org/presentationml/2006/main">
   <p:cSld>
     <p:spTree>
@@ -11601,7 +13226,7 @@
 </p:sld>
 </file>
 
-<file path=ppt/slides/slide6.xml><?xml version="1.0" encoding="utf-8"?>
+<file path=ppt/slides/slide7.xml><?xml version="1.0" encoding="utf-8"?>
 <p:sld xmlns:a="http://schemas.openxmlformats.org/drawingml/2006/main" xmlns:r="http://schemas.openxmlformats.org/officeDocument/2006/relationships" xmlns:p="http://schemas.openxmlformats.org/presentationml/2006/main">
   <p:cSld>
     <p:spTree>
@@ -11713,7 +13338,7 @@
 </p:sld>
 </file>
 
-<file path=ppt/slides/slide7.xml><?xml version="1.0" encoding="utf-8"?>
+<file path=ppt/slides/slide8.xml><?xml version="1.0" encoding="utf-8"?>
 <p:sld xmlns:a="http://schemas.openxmlformats.org/drawingml/2006/main" xmlns:r="http://schemas.openxmlformats.org/officeDocument/2006/relationships" xmlns:p="http://schemas.openxmlformats.org/presentationml/2006/main">
   <p:cSld>
     <p:spTree>
@@ -11773,7 +13398,7 @@
 </p:sld>
 </file>
 
-<file path=ppt/slides/slide8.xml><?xml version="1.0" encoding="utf-8"?>
+<file path=ppt/slides/slide9.xml><?xml version="1.0" encoding="utf-8"?>
 <p:sld xmlns:a="http://schemas.openxmlformats.org/drawingml/2006/main" xmlns:r="http://schemas.openxmlformats.org/officeDocument/2006/relationships" xmlns:p="http://schemas.openxmlformats.org/presentationml/2006/main">
   <p:cSld>
     <p:spTree>
@@ -11876,253 +13501,6 @@
     <p:extLst>
       <p:ext uri="{BB962C8B-B14F-4D97-AF65-F5344CB8AC3E}">
         <p14:creationId xmlns:p14="http://schemas.microsoft.com/office/powerpoint/2010/main" val="351405029"/>
-      </p:ext>
-    </p:extLst>
-  </p:cSld>
-  <p:clrMapOvr>
-    <a:masterClrMapping/>
-  </p:clrMapOvr>
-</p:sld>
-</file>
-
-<file path=ppt/slides/slide9.xml><?xml version="1.0" encoding="utf-8"?>
-<p:sld xmlns:a="http://schemas.openxmlformats.org/drawingml/2006/main" xmlns:r="http://schemas.openxmlformats.org/officeDocument/2006/relationships" xmlns:p="http://schemas.openxmlformats.org/presentationml/2006/main">
-  <p:cSld>
-    <p:spTree>
-      <p:nvGrpSpPr>
-        <p:cNvPr id="1" name=""/>
-        <p:cNvGrpSpPr/>
-        <p:nvPr/>
-      </p:nvGrpSpPr>
-      <p:grpSpPr>
-        <a:xfrm>
-          <a:off x="0" y="0"/>
-          <a:ext cx="0" cy="0"/>
-          <a:chOff x="0" y="0"/>
-          <a:chExt cx="0" cy="0"/>
-        </a:xfrm>
-      </p:grpSpPr>
-      <p:sp>
-        <p:nvSpPr>
-          <p:cNvPr id="2" name="Title 1">
-            <a:extLst>
-              <a:ext uri="{FF2B5EF4-FFF2-40B4-BE49-F238E27FC236}">
-                <a16:creationId xmlns:a16="http://schemas.microsoft.com/office/drawing/2014/main" id="{059A6026-E3EA-743A-7610-B2BFE1DA81E8}"/>
-              </a:ext>
-            </a:extLst>
-          </p:cNvPr>
-          <p:cNvSpPr>
-            <a:spLocks noGrp="1"/>
-          </p:cNvSpPr>
-          <p:nvPr>
-            <p:ph type="title"/>
-          </p:nvPr>
-        </p:nvSpPr>
-        <p:spPr/>
-        <p:txBody>
-          <a:bodyPr/>
-          <a:lstStyle/>
-          <a:p>
-            <a:r>
-              <a:rPr lang="en-US" u="sng" dirty="0"/>
-              <a:t>MACHINE LEARNING ALGORITHM</a:t>
-            </a:r>
-            <a:r>
-              <a:rPr lang="en-US" dirty="0"/>
-              <a:t> :-</a:t>
-            </a:r>
-            <a:endParaRPr lang="en-IN" u="sng" dirty="0"/>
-          </a:p>
-        </p:txBody>
-      </p:sp>
-      <p:sp>
-        <p:nvSpPr>
-          <p:cNvPr id="3" name="Content Placeholder 2">
-            <a:extLst>
-              <a:ext uri="{FF2B5EF4-FFF2-40B4-BE49-F238E27FC236}">
-                <a16:creationId xmlns:a16="http://schemas.microsoft.com/office/drawing/2014/main" id="{77DC172A-2D41-8C94-BC39-E5E3C432095E}"/>
-              </a:ext>
-            </a:extLst>
-          </p:cNvPr>
-          <p:cNvSpPr>
-            <a:spLocks noGrp="1"/>
-          </p:cNvSpPr>
-          <p:nvPr>
-            <p:ph idx="1"/>
-          </p:nvPr>
-        </p:nvSpPr>
-        <p:spPr/>
-        <p:txBody>
-          <a:bodyPr/>
-          <a:lstStyle/>
-          <a:p>
-            <a:pPr marL="342900" lvl="0" indent="-342900">
-              <a:lnSpc>
-                <a:spcPct val="107000"/>
-              </a:lnSpc>
-              <a:buFont typeface="Symbol" panose="05050102010706020507" pitchFamily="18" charset="2"/>
-              <a:buChar char=""/>
-              <a:tabLst>
-                <a:tab pos="3933825" algn="l"/>
-              </a:tabLst>
-            </a:pPr>
-            <a:r>
-              <a:rPr lang="en-US" sz="2000" dirty="0">
-                <a:effectLst/>
-                <a:latin typeface="Calibri" panose="020F0502020204030204" pitchFamily="34" charset="0"/>
-                <a:ea typeface="Calibri" panose="020F0502020204030204" pitchFamily="34" charset="0"/>
-                <a:cs typeface="Times New Roman" panose="02020603050405020304" pitchFamily="18" charset="0"/>
-              </a:rPr>
-              <a:t>Since this is a classification problem, some popular machine learning algorithms such as Logistic Regression, </a:t>
-            </a:r>
-            <a:r>
-              <a:rPr lang="en-US" sz="2000" dirty="0" err="1">
-                <a:effectLst/>
-                <a:latin typeface="Calibri" panose="020F0502020204030204" pitchFamily="34" charset="0"/>
-                <a:ea typeface="Calibri" panose="020F0502020204030204" pitchFamily="34" charset="0"/>
-                <a:cs typeface="Times New Roman" panose="02020603050405020304" pitchFamily="18" charset="0"/>
-              </a:rPr>
-              <a:t>KMeans</a:t>
-            </a:r>
-            <a:r>
-              <a:rPr lang="en-US" sz="2000" dirty="0">
-                <a:effectLst/>
-                <a:latin typeface="Calibri" panose="020F0502020204030204" pitchFamily="34" charset="0"/>
-                <a:ea typeface="Calibri" panose="020F0502020204030204" pitchFamily="34" charset="0"/>
-                <a:cs typeface="Times New Roman" panose="02020603050405020304" pitchFamily="18" charset="0"/>
-              </a:rPr>
-              <a:t>, Decision tree, Random Forest, </a:t>
-            </a:r>
-            <a:r>
-              <a:rPr lang="en-US" sz="2000" dirty="0" err="1">
-                <a:effectLst/>
-                <a:latin typeface="Calibri" panose="020F0502020204030204" pitchFamily="34" charset="0"/>
-                <a:ea typeface="Calibri" panose="020F0502020204030204" pitchFamily="34" charset="0"/>
-                <a:cs typeface="Times New Roman" panose="02020603050405020304" pitchFamily="18" charset="0"/>
-              </a:rPr>
-              <a:t>Navie</a:t>
-            </a:r>
-            <a:r>
-              <a:rPr lang="en-US" sz="2000" dirty="0">
-                <a:effectLst/>
-                <a:latin typeface="Calibri" panose="020F0502020204030204" pitchFamily="34" charset="0"/>
-                <a:ea typeface="Calibri" panose="020F0502020204030204" pitchFamily="34" charset="0"/>
-                <a:cs typeface="Times New Roman" panose="02020603050405020304" pitchFamily="18" charset="0"/>
-              </a:rPr>
-              <a:t> Bias, Support vector machine can be used. We apply each model and perform hyperparameter tuning to achieve maximum accuracy and roc </a:t>
-            </a:r>
-            <a:r>
-              <a:rPr lang="en-US" sz="2000" dirty="0" err="1">
-                <a:effectLst/>
-                <a:latin typeface="Calibri" panose="020F0502020204030204" pitchFamily="34" charset="0"/>
-                <a:ea typeface="Calibri" panose="020F0502020204030204" pitchFamily="34" charset="0"/>
-                <a:cs typeface="Times New Roman" panose="02020603050405020304" pitchFamily="18" charset="0"/>
-              </a:rPr>
-              <a:t>auc</a:t>
-            </a:r>
-            <a:r>
-              <a:rPr lang="en-US" sz="2000" dirty="0">
-                <a:effectLst/>
-                <a:latin typeface="Calibri" panose="020F0502020204030204" pitchFamily="34" charset="0"/>
-                <a:ea typeface="Calibri" panose="020F0502020204030204" pitchFamily="34" charset="0"/>
-                <a:cs typeface="Times New Roman" panose="02020603050405020304" pitchFamily="18" charset="0"/>
-              </a:rPr>
-              <a:t> score.</a:t>
-            </a:r>
-            <a:endParaRPr lang="en-IN" sz="2000" dirty="0">
-              <a:effectLst/>
-              <a:latin typeface="Calibri" panose="020F0502020204030204" pitchFamily="34" charset="0"/>
-              <a:ea typeface="Calibri" panose="020F0502020204030204" pitchFamily="34" charset="0"/>
-              <a:cs typeface="Times New Roman" panose="02020603050405020304" pitchFamily="18" charset="0"/>
-            </a:endParaRPr>
-          </a:p>
-          <a:p>
-            <a:pPr marL="342900" lvl="0" indent="-342900">
-              <a:lnSpc>
-                <a:spcPct val="107000"/>
-              </a:lnSpc>
-              <a:spcAft>
-                <a:spcPts val="800"/>
-              </a:spcAft>
-              <a:buFont typeface="Symbol" panose="05050102010706020507" pitchFamily="18" charset="2"/>
-              <a:buChar char=""/>
-              <a:tabLst>
-                <a:tab pos="3933825" algn="l"/>
-              </a:tabLst>
-            </a:pPr>
-            <a:r>
-              <a:rPr lang="en-US" sz="2000" dirty="0">
-                <a:effectLst/>
-                <a:latin typeface="Calibri" panose="020F0502020204030204" pitchFamily="34" charset="0"/>
-                <a:ea typeface="Calibri" panose="020F0502020204030204" pitchFamily="34" charset="0"/>
-                <a:cs typeface="Times New Roman" panose="02020603050405020304" pitchFamily="18" charset="0"/>
-              </a:rPr>
-              <a:t>We have calculated the roc </a:t>
-            </a:r>
-            <a:r>
-              <a:rPr lang="en-US" sz="2000" dirty="0" err="1">
-                <a:effectLst/>
-                <a:latin typeface="Calibri" panose="020F0502020204030204" pitchFamily="34" charset="0"/>
-                <a:ea typeface="Calibri" panose="020F0502020204030204" pitchFamily="34" charset="0"/>
-                <a:cs typeface="Times New Roman" panose="02020603050405020304" pitchFamily="18" charset="0"/>
-              </a:rPr>
-              <a:t>auc</a:t>
-            </a:r>
-            <a:r>
-              <a:rPr lang="en-US" sz="2000" dirty="0">
-                <a:effectLst/>
-                <a:latin typeface="Calibri" panose="020F0502020204030204" pitchFamily="34" charset="0"/>
-                <a:ea typeface="Calibri" panose="020F0502020204030204" pitchFamily="34" charset="0"/>
-                <a:cs typeface="Times New Roman" panose="02020603050405020304" pitchFamily="18" charset="0"/>
-              </a:rPr>
-              <a:t> score for all the models.</a:t>
-            </a:r>
-            <a:endParaRPr lang="en-IN" sz="2000" dirty="0">
-              <a:effectLst/>
-              <a:latin typeface="Calibri" panose="020F0502020204030204" pitchFamily="34" charset="0"/>
-              <a:ea typeface="Calibri" panose="020F0502020204030204" pitchFamily="34" charset="0"/>
-              <a:cs typeface="Times New Roman" panose="02020603050405020304" pitchFamily="18" charset="0"/>
-            </a:endParaRPr>
-          </a:p>
-          <a:p>
-            <a:endParaRPr lang="en-IN" dirty="0"/>
-          </a:p>
-        </p:txBody>
-      </p:sp>
-      <p:pic>
-        <p:nvPicPr>
-          <p:cNvPr id="4" name="Picture 3">
-            <a:extLst>
-              <a:ext uri="{FF2B5EF4-FFF2-40B4-BE49-F238E27FC236}">
-                <a16:creationId xmlns:a16="http://schemas.microsoft.com/office/drawing/2014/main" id="{CF0C187F-37CB-5E39-661E-538FC4F6BA1D}"/>
-              </a:ext>
-            </a:extLst>
-          </p:cNvPr>
-          <p:cNvPicPr>
-            <a:picLocks noChangeAspect="1"/>
-          </p:cNvPicPr>
-          <p:nvPr/>
-        </p:nvPicPr>
-        <p:blipFill>
-          <a:blip r:embed="rId2"/>
-          <a:stretch>
-            <a:fillRect/>
-          </a:stretch>
-        </p:blipFill>
-        <p:spPr>
-          <a:xfrm>
-            <a:off x="1138969" y="4001293"/>
-            <a:ext cx="5156627" cy="2491581"/>
-          </a:xfrm>
-          <a:prstGeom prst="rect">
-            <a:avLst/>
-          </a:prstGeom>
-        </p:spPr>
-      </p:pic>
-    </p:spTree>
-    <p:extLst>
-      <p:ext uri="{BB962C8B-B14F-4D97-AF65-F5344CB8AC3E}">
-        <p14:creationId xmlns:p14="http://schemas.microsoft.com/office/powerpoint/2010/main" val="1171153989"/>
       </p:ext>
     </p:extLst>
   </p:cSld>
